--- a/docs/design/界面设计.pptx
+++ b/docs/design/界面设计.pptx
@@ -255,7 +255,7 @@
           <a:p>
             <a:fld id="{9AE803C9-A396-436F-B9D9-C9DC7B6177BF}" type="datetimeFigureOut">
               <a:rPr lang="zh-CN" altLang="en-US" smtClean="0"/>
-              <a:t>2016/6/20</a:t>
+              <a:t>2016/7/16</a:t>
             </a:fld>
             <a:endParaRPr lang="zh-CN" altLang="en-US"/>
           </a:p>
@@ -425,7 +425,7 @@
           <a:p>
             <a:fld id="{9AE803C9-A396-436F-B9D9-C9DC7B6177BF}" type="datetimeFigureOut">
               <a:rPr lang="zh-CN" altLang="en-US" smtClean="0"/>
-              <a:t>2016/6/20</a:t>
+              <a:t>2016/7/16</a:t>
             </a:fld>
             <a:endParaRPr lang="zh-CN" altLang="en-US"/>
           </a:p>
@@ -605,7 +605,7 @@
           <a:p>
             <a:fld id="{9AE803C9-A396-436F-B9D9-C9DC7B6177BF}" type="datetimeFigureOut">
               <a:rPr lang="zh-CN" altLang="en-US" smtClean="0"/>
-              <a:t>2016/6/20</a:t>
+              <a:t>2016/7/16</a:t>
             </a:fld>
             <a:endParaRPr lang="zh-CN" altLang="en-US"/>
           </a:p>
@@ -775,7 +775,7 @@
           <a:p>
             <a:fld id="{9AE803C9-A396-436F-B9D9-C9DC7B6177BF}" type="datetimeFigureOut">
               <a:rPr lang="zh-CN" altLang="en-US" smtClean="0"/>
-              <a:t>2016/6/20</a:t>
+              <a:t>2016/7/16</a:t>
             </a:fld>
             <a:endParaRPr lang="zh-CN" altLang="en-US"/>
           </a:p>
@@ -1021,7 +1021,7 @@
           <a:p>
             <a:fld id="{9AE803C9-A396-436F-B9D9-C9DC7B6177BF}" type="datetimeFigureOut">
               <a:rPr lang="zh-CN" altLang="en-US" smtClean="0"/>
-              <a:t>2016/6/20</a:t>
+              <a:t>2016/7/16</a:t>
             </a:fld>
             <a:endParaRPr lang="zh-CN" altLang="en-US"/>
           </a:p>
@@ -1253,7 +1253,7 @@
           <a:p>
             <a:fld id="{9AE803C9-A396-436F-B9D9-C9DC7B6177BF}" type="datetimeFigureOut">
               <a:rPr lang="zh-CN" altLang="en-US" smtClean="0"/>
-              <a:t>2016/6/20</a:t>
+              <a:t>2016/7/16</a:t>
             </a:fld>
             <a:endParaRPr lang="zh-CN" altLang="en-US"/>
           </a:p>
@@ -1620,7 +1620,7 @@
           <a:p>
             <a:fld id="{9AE803C9-A396-436F-B9D9-C9DC7B6177BF}" type="datetimeFigureOut">
               <a:rPr lang="zh-CN" altLang="en-US" smtClean="0"/>
-              <a:t>2016/6/20</a:t>
+              <a:t>2016/7/16</a:t>
             </a:fld>
             <a:endParaRPr lang="zh-CN" altLang="en-US"/>
           </a:p>
@@ -1738,7 +1738,7 @@
           <a:p>
             <a:fld id="{9AE803C9-A396-436F-B9D9-C9DC7B6177BF}" type="datetimeFigureOut">
               <a:rPr lang="zh-CN" altLang="en-US" smtClean="0"/>
-              <a:t>2016/6/20</a:t>
+              <a:t>2016/7/16</a:t>
             </a:fld>
             <a:endParaRPr lang="zh-CN" altLang="en-US"/>
           </a:p>
@@ -1833,7 +1833,7 @@
           <a:p>
             <a:fld id="{9AE803C9-A396-436F-B9D9-C9DC7B6177BF}" type="datetimeFigureOut">
               <a:rPr lang="zh-CN" altLang="en-US" smtClean="0"/>
-              <a:t>2016/6/20</a:t>
+              <a:t>2016/7/16</a:t>
             </a:fld>
             <a:endParaRPr lang="zh-CN" altLang="en-US"/>
           </a:p>
@@ -2110,7 +2110,7 @@
           <a:p>
             <a:fld id="{9AE803C9-A396-436F-B9D9-C9DC7B6177BF}" type="datetimeFigureOut">
               <a:rPr lang="zh-CN" altLang="en-US" smtClean="0"/>
-              <a:t>2016/6/20</a:t>
+              <a:t>2016/7/16</a:t>
             </a:fld>
             <a:endParaRPr lang="zh-CN" altLang="en-US"/>
           </a:p>
@@ -2363,7 +2363,7 @@
           <a:p>
             <a:fld id="{9AE803C9-A396-436F-B9D9-C9DC7B6177BF}" type="datetimeFigureOut">
               <a:rPr lang="zh-CN" altLang="en-US" smtClean="0"/>
-              <a:t>2016/6/20</a:t>
+              <a:t>2016/7/16</a:t>
             </a:fld>
             <a:endParaRPr lang="zh-CN" altLang="en-US"/>
           </a:p>
@@ -2576,7 +2576,7 @@
           <a:p>
             <a:fld id="{9AE803C9-A396-436F-B9D9-C9DC7B6177BF}" type="datetimeFigureOut">
               <a:rPr lang="zh-CN" altLang="en-US" smtClean="0"/>
-              <a:t>2016/6/20</a:t>
+              <a:t>2016/7/16</a:t>
             </a:fld>
             <a:endParaRPr lang="zh-CN" altLang="en-US"/>
           </a:p>
@@ -15706,7 +15706,6 @@
               <a:rPr lang="zh-CN" altLang="en-US" dirty="0"/>
               <a:t>原编号</a:t>
             </a:r>
-            <a:endParaRPr lang="zh-CN" altLang="en-US" dirty="0"/>
           </a:p>
         </p:txBody>
       </p:sp>
@@ -17100,11 +17099,7 @@
             <a:pPr algn="ctr"/>
             <a:r>
               <a:rPr lang="zh-CN" altLang="en-US" sz="1000" dirty="0" smtClean="0"/>
-              <a:t>热表补</a:t>
-            </a:r>
-            <a:r>
-              <a:rPr lang="zh-CN" altLang="en-US" sz="1000" dirty="0" smtClean="0"/>
-              <a:t>抄次数</a:t>
+              <a:t>热表补抄次数</a:t>
             </a:r>
             <a:endParaRPr lang="zh-CN" altLang="en-US" sz="1000" dirty="0"/>
           </a:p>
@@ -17231,11 +17226,7 @@
             <a:pPr algn="ctr"/>
             <a:r>
               <a:rPr lang="zh-CN" altLang="en-US" sz="1000" dirty="0" smtClean="0"/>
-              <a:t>热表补</a:t>
-            </a:r>
-            <a:r>
-              <a:rPr lang="zh-CN" altLang="en-US" sz="1000" dirty="0" smtClean="0"/>
-              <a:t>抄间隔</a:t>
+              <a:t>热表补抄间隔</a:t>
             </a:r>
             <a:endParaRPr lang="zh-CN" altLang="en-US" sz="1000" dirty="0"/>
           </a:p>
@@ -17358,7 +17349,6 @@
               <a:rPr lang="zh-CN" altLang="en-US" dirty="0"/>
               <a:t>读取</a:t>
             </a:r>
-            <a:endParaRPr lang="zh-CN" altLang="en-US" dirty="0"/>
           </a:p>
         </p:txBody>
       </p:sp>
@@ -17410,11 +17400,7 @@
             </a:r>
             <a:r>
               <a:rPr lang="zh-CN" altLang="en-US" sz="1000" dirty="0" smtClean="0"/>
-              <a:t>补</a:t>
-            </a:r>
-            <a:r>
-              <a:rPr lang="zh-CN" altLang="en-US" sz="1000" dirty="0" smtClean="0"/>
-              <a:t>抄次数</a:t>
+              <a:t>补抄次数</a:t>
             </a:r>
             <a:endParaRPr lang="zh-CN" altLang="en-US" sz="1000" dirty="0"/>
           </a:p>
@@ -17545,11 +17531,7 @@
             </a:r>
             <a:r>
               <a:rPr lang="zh-CN" altLang="en-US" sz="1000" dirty="0" smtClean="0"/>
-              <a:t>补</a:t>
-            </a:r>
-            <a:r>
-              <a:rPr lang="zh-CN" altLang="en-US" sz="1000" dirty="0" smtClean="0"/>
-              <a:t>抄间隔</a:t>
+              <a:t>补抄间隔</a:t>
             </a:r>
             <a:endParaRPr lang="zh-CN" altLang="en-US" sz="1000" dirty="0"/>
           </a:p>
@@ -17884,13 +17866,8 @@
             <a:pPr algn="ctr"/>
             <a:r>
               <a:rPr lang="zh-CN" altLang="en-US" sz="1200" dirty="0"/>
-              <a:t>集中器</a:t>
-            </a:r>
-            <a:r>
-              <a:rPr lang="zh-CN" altLang="en-US" sz="1200" dirty="0"/>
-              <a:t>编号</a:t>
-            </a:r>
-            <a:endParaRPr lang="zh-CN" altLang="en-US" sz="1200" dirty="0"/>
+              <a:t>集中器编号</a:t>
+            </a:r>
           </a:p>
         </p:txBody>
       </p:sp>
@@ -18370,18 +18347,7 @@
                           <a:ea typeface="+mn-ea"/>
                           <a:cs typeface="+mn-cs"/>
                         </a:rPr>
-                        <a:t>计量</a:t>
-                      </a:r>
-                      <a:r>
-                        <a:rPr lang="zh-CN" altLang="en-US" sz="1000" kern="1200" dirty="0" smtClean="0">
-                          <a:solidFill>
-                            <a:schemeClr val="dk1"/>
-                          </a:solidFill>
-                          <a:latin typeface="+mn-lt"/>
-                          <a:ea typeface="+mn-ea"/>
-                          <a:cs typeface="+mn-cs"/>
-                        </a:rPr>
-                        <a:t>点编号</a:t>
+                        <a:t>计量点编号</a:t>
                       </a:r>
                       <a:endParaRPr lang="zh-CN" altLang="en-US" sz="1000" kern="1200" dirty="0">
                         <a:solidFill>
@@ -19157,11 +19123,7 @@
             </a:r>
             <a:r>
               <a:rPr lang="zh-CN" altLang="en-US" sz="1200" dirty="0" smtClean="0"/>
-              <a:t>编</a:t>
-            </a:r>
-            <a:r>
-              <a:rPr lang="zh-CN" altLang="en-US" sz="1200" dirty="0" smtClean="0"/>
-              <a:t>号</a:t>
+              <a:t>编号</a:t>
             </a:r>
             <a:endParaRPr lang="zh-CN" altLang="en-US" sz="1200" dirty="0"/>
           </a:p>
@@ -20455,15 +20417,7 @@
             <a:pPr algn="ctr"/>
             <a:r>
               <a:rPr lang="zh-CN" altLang="en-US" sz="1100" dirty="0" smtClean="0"/>
-              <a:t>查</a:t>
-            </a:r>
-            <a:r>
-              <a:rPr lang="zh-CN" altLang="en-US" sz="1100" dirty="0" smtClean="0"/>
-              <a:t>询成功详</a:t>
-            </a:r>
-            <a:r>
-              <a:rPr lang="zh-CN" altLang="en-US" sz="1100" dirty="0" smtClean="0"/>
-              <a:t>单</a:t>
+              <a:t>查询成功详单</a:t>
             </a:r>
             <a:endParaRPr lang="zh-CN" altLang="en-US" sz="1100" dirty="0"/>
           </a:p>
@@ -22737,11 +22691,7 @@
             <a:pPr algn="ctr"/>
             <a:r>
               <a:rPr lang="zh-CN" altLang="en-US" dirty="0" smtClean="0"/>
-              <a:t>成功详</a:t>
-            </a:r>
-            <a:r>
-              <a:rPr lang="zh-CN" altLang="en-US" dirty="0" smtClean="0"/>
-              <a:t>单</a:t>
+              <a:t>成功详单</a:t>
             </a:r>
             <a:endParaRPr lang="zh-CN" altLang="en-US" dirty="0"/>
           </a:p>
@@ -25632,8 +25582,8 @@
         </p:nvSpPr>
         <p:spPr>
           <a:xfrm>
-            <a:off x="2262895" y="1595153"/>
-            <a:ext cx="836385" cy="342787"/>
+            <a:off x="1742577" y="1595153"/>
+            <a:ext cx="1356704" cy="342787"/>
           </a:xfrm>
           <a:prstGeom prst="roundRect">
             <a:avLst/>
@@ -25665,7 +25615,7 @@
             <a:pPr algn="ctr"/>
             <a:r>
               <a:rPr lang="zh-CN" altLang="en-US" sz="1300" dirty="0" smtClean="0"/>
-              <a:t>合并</a:t>
+              <a:t>更新到本地</a:t>
             </a:r>
             <a:endParaRPr lang="zh-CN" altLang="en-US" sz="1300" dirty="0"/>
           </a:p>
@@ -25792,11 +25742,7 @@
             <a:pPr algn="ctr"/>
             <a:r>
               <a:rPr lang="zh-CN" altLang="en-US" dirty="0" smtClean="0"/>
-              <a:t>手持</a:t>
-            </a:r>
-            <a:r>
-              <a:rPr lang="zh-CN" altLang="en-US" dirty="0" smtClean="0"/>
-              <a:t>机</a:t>
+              <a:t>手持机</a:t>
             </a:r>
             <a:r>
               <a:rPr lang="zh-CN" altLang="en-US" dirty="0"/>
@@ -25804,11 +25750,7 @@
             </a:r>
             <a:r>
               <a:rPr lang="zh-CN" altLang="en-US" dirty="0" smtClean="0"/>
-              <a:t>设</a:t>
-            </a:r>
-            <a:r>
-              <a:rPr lang="zh-CN" altLang="en-US" dirty="0" smtClean="0"/>
-              <a:t>置</a:t>
+              <a:t>设置</a:t>
             </a:r>
             <a:endParaRPr lang="zh-CN" altLang="en-US" dirty="0"/>
           </a:p>
@@ -26776,7 +26718,6 @@
               <a:rPr lang="zh-CN" altLang="en-US" sz="1200" dirty="0"/>
               <a:t>集中器编号</a:t>
             </a:r>
-            <a:endParaRPr lang="zh-CN" altLang="en-US" sz="1200" dirty="0"/>
           </a:p>
         </p:txBody>
       </p:sp>

--- a/docs/design/界面设计.pptx
+++ b/docs/design/界面设计.pptx
@@ -253,7 +253,7 @@
           <a:p>
             <a:fld id="{9AE803C9-A396-436F-B9D9-C9DC7B6177BF}" type="datetimeFigureOut">
               <a:rPr lang="zh-CN" altLang="en-US" smtClean="0"/>
-              <a:t>2016/8/22</a:t>
+              <a:t>2016/8/26</a:t>
             </a:fld>
             <a:endParaRPr lang="zh-CN" altLang="en-US"/>
           </a:p>
@@ -423,7 +423,7 @@
           <a:p>
             <a:fld id="{9AE803C9-A396-436F-B9D9-C9DC7B6177BF}" type="datetimeFigureOut">
               <a:rPr lang="zh-CN" altLang="en-US" smtClean="0"/>
-              <a:t>2016/8/22</a:t>
+              <a:t>2016/8/26</a:t>
             </a:fld>
             <a:endParaRPr lang="zh-CN" altLang="en-US"/>
           </a:p>
@@ -603,7 +603,7 @@
           <a:p>
             <a:fld id="{9AE803C9-A396-436F-B9D9-C9DC7B6177BF}" type="datetimeFigureOut">
               <a:rPr lang="zh-CN" altLang="en-US" smtClean="0"/>
-              <a:t>2016/8/22</a:t>
+              <a:t>2016/8/26</a:t>
             </a:fld>
             <a:endParaRPr lang="zh-CN" altLang="en-US"/>
           </a:p>
@@ -773,7 +773,7 @@
           <a:p>
             <a:fld id="{9AE803C9-A396-436F-B9D9-C9DC7B6177BF}" type="datetimeFigureOut">
               <a:rPr lang="zh-CN" altLang="en-US" smtClean="0"/>
-              <a:t>2016/8/22</a:t>
+              <a:t>2016/8/26</a:t>
             </a:fld>
             <a:endParaRPr lang="zh-CN" altLang="en-US"/>
           </a:p>
@@ -1019,7 +1019,7 @@
           <a:p>
             <a:fld id="{9AE803C9-A396-436F-B9D9-C9DC7B6177BF}" type="datetimeFigureOut">
               <a:rPr lang="zh-CN" altLang="en-US" smtClean="0"/>
-              <a:t>2016/8/22</a:t>
+              <a:t>2016/8/26</a:t>
             </a:fld>
             <a:endParaRPr lang="zh-CN" altLang="en-US"/>
           </a:p>
@@ -1251,7 +1251,7 @@
           <a:p>
             <a:fld id="{9AE803C9-A396-436F-B9D9-C9DC7B6177BF}" type="datetimeFigureOut">
               <a:rPr lang="zh-CN" altLang="en-US" smtClean="0"/>
-              <a:t>2016/8/22</a:t>
+              <a:t>2016/8/26</a:t>
             </a:fld>
             <a:endParaRPr lang="zh-CN" altLang="en-US"/>
           </a:p>
@@ -1618,7 +1618,7 @@
           <a:p>
             <a:fld id="{9AE803C9-A396-436F-B9D9-C9DC7B6177BF}" type="datetimeFigureOut">
               <a:rPr lang="zh-CN" altLang="en-US" smtClean="0"/>
-              <a:t>2016/8/22</a:t>
+              <a:t>2016/8/26</a:t>
             </a:fld>
             <a:endParaRPr lang="zh-CN" altLang="en-US"/>
           </a:p>
@@ -1736,7 +1736,7 @@
           <a:p>
             <a:fld id="{9AE803C9-A396-436F-B9D9-C9DC7B6177BF}" type="datetimeFigureOut">
               <a:rPr lang="zh-CN" altLang="en-US" smtClean="0"/>
-              <a:t>2016/8/22</a:t>
+              <a:t>2016/8/26</a:t>
             </a:fld>
             <a:endParaRPr lang="zh-CN" altLang="en-US"/>
           </a:p>
@@ -1831,7 +1831,7 @@
           <a:p>
             <a:fld id="{9AE803C9-A396-436F-B9D9-C9DC7B6177BF}" type="datetimeFigureOut">
               <a:rPr lang="zh-CN" altLang="en-US" smtClean="0"/>
-              <a:t>2016/8/22</a:t>
+              <a:t>2016/8/26</a:t>
             </a:fld>
             <a:endParaRPr lang="zh-CN" altLang="en-US"/>
           </a:p>
@@ -2108,7 +2108,7 @@
           <a:p>
             <a:fld id="{9AE803C9-A396-436F-B9D9-C9DC7B6177BF}" type="datetimeFigureOut">
               <a:rPr lang="zh-CN" altLang="en-US" smtClean="0"/>
-              <a:t>2016/8/22</a:t>
+              <a:t>2016/8/26</a:t>
             </a:fld>
             <a:endParaRPr lang="zh-CN" altLang="en-US"/>
           </a:p>
@@ -2361,7 +2361,7 @@
           <a:p>
             <a:fld id="{9AE803C9-A396-436F-B9D9-C9DC7B6177BF}" type="datetimeFigureOut">
               <a:rPr lang="zh-CN" altLang="en-US" smtClean="0"/>
-              <a:t>2016/8/22</a:t>
+              <a:t>2016/8/26</a:t>
             </a:fld>
             <a:endParaRPr lang="zh-CN" altLang="en-US"/>
           </a:p>
@@ -2574,7 +2574,7 @@
           <a:p>
             <a:fld id="{9AE803C9-A396-436F-B9D9-C9DC7B6177BF}" type="datetimeFigureOut">
               <a:rPr lang="zh-CN" altLang="en-US" smtClean="0"/>
-              <a:t>2016/8/22</a:t>
+              <a:t>2016/8/26</a:t>
             </a:fld>
             <a:endParaRPr lang="zh-CN" altLang="en-US"/>
           </a:p>
@@ -3150,11 +3150,7 @@
             <a:pPr algn="ctr"/>
             <a:r>
               <a:rPr lang="zh-CN" altLang="en-US" dirty="0" smtClean="0"/>
-              <a:t>系统</a:t>
-            </a:r>
-            <a:r>
-              <a:rPr lang="zh-CN" altLang="en-US" dirty="0" smtClean="0"/>
-              <a:t>设置</a:t>
+              <a:t>系统设置</a:t>
             </a:r>
             <a:endParaRPr lang="zh-CN" altLang="en-US" dirty="0"/>
           </a:p>
@@ -3284,11 +3280,7 @@
             <a:pPr algn="ctr"/>
             <a:r>
               <a:rPr lang="zh-CN" altLang="en-US" sz="1200" dirty="0" smtClean="0"/>
-              <a:t>表</a:t>
-            </a:r>
-            <a:r>
-              <a:rPr lang="zh-CN" altLang="en-US" sz="1200" dirty="0" smtClean="0"/>
-              <a:t>号</a:t>
+              <a:t>表号</a:t>
             </a:r>
             <a:endParaRPr lang="zh-CN" altLang="en-US" sz="1200" dirty="0"/>
           </a:p>
@@ -5196,6 +5188,118 @@
               </a:rPr>
               <a:t>偶</a:t>
             </a:r>
+          </a:p>
+        </p:txBody>
+      </p:sp>
+      <p:sp>
+        <p:nvSpPr>
+          <p:cNvPr id="32" name="Rounded Rectangle 22"/>
+          <p:cNvSpPr/>
+          <p:nvPr/>
+        </p:nvSpPr>
+        <p:spPr>
+          <a:xfrm>
+            <a:off x="759596" y="2542122"/>
+            <a:ext cx="984703" cy="342787"/>
+          </a:xfrm>
+          <a:prstGeom prst="roundRect">
+            <a:avLst/>
+          </a:prstGeom>
+          <a:solidFill>
+            <a:schemeClr val="tx1">
+              <a:lumMod val="65000"/>
+              <a:lumOff val="35000"/>
+            </a:schemeClr>
+          </a:solidFill>
+        </p:spPr>
+        <p:style>
+          <a:lnRef idx="2">
+            <a:schemeClr val="accent1">
+              <a:shade val="50000"/>
+            </a:schemeClr>
+          </a:lnRef>
+          <a:fillRef idx="1">
+            <a:schemeClr val="accent1"/>
+          </a:fillRef>
+          <a:effectRef idx="0">
+            <a:schemeClr val="accent1"/>
+          </a:effectRef>
+          <a:fontRef idx="minor">
+            <a:schemeClr val="lt1"/>
+          </a:fontRef>
+        </p:style>
+        <p:txBody>
+          <a:bodyPr rtlCol="0" anchor="ctr"/>
+          <a:lstStyle/>
+          <a:p>
+            <a:pPr algn="ctr"/>
+            <a:r>
+              <a:rPr lang="zh-CN" altLang="en-US" sz="1200" dirty="0" smtClean="0"/>
+              <a:t>停止位</a:t>
+            </a:r>
+            <a:endParaRPr lang="zh-CN" altLang="en-US" sz="1200" dirty="0"/>
+          </a:p>
+        </p:txBody>
+      </p:sp>
+      <p:sp>
+        <p:nvSpPr>
+          <p:cNvPr id="33" name="Rectangle 23"/>
+          <p:cNvSpPr/>
+          <p:nvPr/>
+        </p:nvSpPr>
+        <p:spPr>
+          <a:xfrm>
+            <a:off x="1877648" y="2528713"/>
+            <a:ext cx="1343025" cy="342787"/>
+          </a:xfrm>
+          <a:prstGeom prst="rect">
+            <a:avLst/>
+          </a:prstGeom>
+          <a:solidFill>
+            <a:schemeClr val="bg1">
+              <a:lumMod val="95000"/>
+            </a:schemeClr>
+          </a:solidFill>
+        </p:spPr>
+        <p:style>
+          <a:lnRef idx="2">
+            <a:schemeClr val="accent1">
+              <a:shade val="50000"/>
+            </a:schemeClr>
+          </a:lnRef>
+          <a:fillRef idx="1">
+            <a:schemeClr val="accent1"/>
+          </a:fillRef>
+          <a:effectRef idx="0">
+            <a:schemeClr val="accent1"/>
+          </a:effectRef>
+          <a:fontRef idx="minor">
+            <a:schemeClr val="lt1"/>
+          </a:fontRef>
+        </p:style>
+        <p:txBody>
+          <a:bodyPr rtlCol="0" anchor="ctr"/>
+          <a:lstStyle/>
+          <a:p>
+            <a:pPr algn="ctr"/>
+            <a:r>
+              <a:rPr lang="en-US" altLang="zh-CN" sz="1400" dirty="0" smtClean="0">
+                <a:ln w="0"/>
+                <a:solidFill>
+                  <a:schemeClr val="tx1"/>
+                </a:solidFill>
+                <a:effectLst>
+                  <a:outerShdw blurRad="38100" dist="19050" dir="2700000" algn="tl" rotWithShape="0">
+                    <a:schemeClr val="dk1">
+                      <a:alpha val="40000"/>
+                    </a:schemeClr>
+                  </a:outerShdw>
+                </a:effectLst>
+                <a:latin typeface="Arial" panose="020B0604020202020204" pitchFamily="34" charset="0"/>
+                <a:cs typeface="Arial" panose="020B0604020202020204" pitchFamily="34" charset="0"/>
+              </a:rPr>
+              <a:t>1</a:t>
+            </a:r>
             <a:endParaRPr lang="zh-CN" altLang="en-US" sz="1400" dirty="0">
               <a:ln w="0"/>
               <a:solidFill>
@@ -5216,13 +5320,13 @@
       </p:sp>
       <p:sp>
         <p:nvSpPr>
-          <p:cNvPr id="32" name="Rounded Rectangle 22"/>
-          <p:cNvSpPr/>
-          <p:nvPr/>
-        </p:nvSpPr>
-        <p:spPr>
-          <a:xfrm>
-            <a:off x="759596" y="2542122"/>
+          <p:cNvPr id="34" name="Rounded Rectangle 29"/>
+          <p:cNvSpPr/>
+          <p:nvPr/>
+        </p:nvSpPr>
+        <p:spPr>
+          <a:xfrm>
+            <a:off x="759596" y="3017729"/>
             <a:ext cx="984703" cy="342787"/>
           </a:xfrm>
           <a:prstGeom prst="roundRect">
@@ -5258,7 +5362,7 @@
             <a:pPr algn="ctr"/>
             <a:r>
               <a:rPr lang="zh-CN" altLang="en-US" sz="1200" dirty="0" smtClean="0"/>
-              <a:t>停止位</a:t>
+              <a:t>表类型</a:t>
             </a:r>
             <a:endParaRPr lang="zh-CN" altLang="en-US" sz="1200" dirty="0"/>
           </a:p>
@@ -5266,13 +5370,13 @@
       </p:sp>
       <p:sp>
         <p:nvSpPr>
-          <p:cNvPr id="33" name="Rectangle 23"/>
-          <p:cNvSpPr/>
-          <p:nvPr/>
-        </p:nvSpPr>
-        <p:spPr>
-          <a:xfrm>
-            <a:off x="1877648" y="2528713"/>
+          <p:cNvPr id="35" name="Rectangle 30"/>
+          <p:cNvSpPr/>
+          <p:nvPr/>
+        </p:nvSpPr>
+        <p:spPr>
+          <a:xfrm>
+            <a:off x="1877648" y="3004320"/>
             <a:ext cx="1343025" cy="342787"/>
           </a:xfrm>
           <a:prstGeom prst="rect">
@@ -5306,7 +5410,7 @@
           <a:p>
             <a:pPr algn="ctr"/>
             <a:r>
-              <a:rPr lang="en-US" altLang="zh-CN" sz="1400" dirty="0" smtClean="0">
+              <a:rPr lang="zh-CN" altLang="en-US" sz="1400" dirty="0" smtClean="0">
                 <a:ln w="0"/>
                 <a:solidFill>
                   <a:schemeClr val="tx1"/>
@@ -5321,7 +5425,7 @@
                 <a:latin typeface="Arial" panose="020B0604020202020204" pitchFamily="34" charset="0"/>
                 <a:cs typeface="Arial" panose="020B0604020202020204" pitchFamily="34" charset="0"/>
               </a:rPr>
-              <a:t>1</a:t>
+              <a:t>德鲁超声波</a:t>
             </a:r>
             <a:endParaRPr lang="zh-CN" altLang="en-US" sz="1400" dirty="0">
               <a:ln w="0"/>
@@ -5343,13 +5447,13 @@
       </p:sp>
       <p:sp>
         <p:nvSpPr>
-          <p:cNvPr id="34" name="Rounded Rectangle 29"/>
-          <p:cNvSpPr/>
-          <p:nvPr/>
-        </p:nvSpPr>
-        <p:spPr>
-          <a:xfrm>
-            <a:off x="759596" y="3017729"/>
+          <p:cNvPr id="36" name="Rounded Rectangle 31"/>
+          <p:cNvSpPr/>
+          <p:nvPr/>
+        </p:nvSpPr>
+        <p:spPr>
+          <a:xfrm>
+            <a:off x="750071" y="3455722"/>
             <a:ext cx="984703" cy="342787"/>
           </a:xfrm>
           <a:prstGeom prst="roundRect">
@@ -5385,7 +5489,7 @@
             <a:pPr algn="ctr"/>
             <a:r>
               <a:rPr lang="zh-CN" altLang="en-US" sz="1200" dirty="0" smtClean="0"/>
-              <a:t>表类型</a:t>
+              <a:t>阀类型</a:t>
             </a:r>
             <a:endParaRPr lang="zh-CN" altLang="en-US" sz="1200" dirty="0"/>
           </a:p>
@@ -5393,13 +5497,13 @@
       </p:sp>
       <p:sp>
         <p:nvSpPr>
-          <p:cNvPr id="35" name="Rectangle 30"/>
-          <p:cNvSpPr/>
-          <p:nvPr/>
-        </p:nvSpPr>
-        <p:spPr>
-          <a:xfrm>
-            <a:off x="1877648" y="3004320"/>
+          <p:cNvPr id="37" name="Rectangle 32"/>
+          <p:cNvSpPr/>
+          <p:nvPr/>
+        </p:nvSpPr>
+        <p:spPr>
+          <a:xfrm>
+            <a:off x="1868123" y="3442313"/>
             <a:ext cx="1343025" cy="342787"/>
           </a:xfrm>
           <a:prstGeom prst="rect">
@@ -5448,7 +5552,7 @@
                 <a:latin typeface="Arial" panose="020B0604020202020204" pitchFamily="34" charset="0"/>
                 <a:cs typeface="Arial" panose="020B0604020202020204" pitchFamily="34" charset="0"/>
               </a:rPr>
-              <a:t>德鲁超声波</a:t>
+              <a:t>亿林</a:t>
             </a:r>
             <a:endParaRPr lang="zh-CN" altLang="en-US" sz="1400" dirty="0">
               <a:ln w="0"/>
@@ -5470,133 +5574,6 @@
       </p:sp>
       <p:sp>
         <p:nvSpPr>
-          <p:cNvPr id="36" name="Rounded Rectangle 31"/>
-          <p:cNvSpPr/>
-          <p:nvPr/>
-        </p:nvSpPr>
-        <p:spPr>
-          <a:xfrm>
-            <a:off x="750071" y="3455722"/>
-            <a:ext cx="984703" cy="342787"/>
-          </a:xfrm>
-          <a:prstGeom prst="roundRect">
-            <a:avLst/>
-          </a:prstGeom>
-          <a:solidFill>
-            <a:schemeClr val="tx1">
-              <a:lumMod val="65000"/>
-              <a:lumOff val="35000"/>
-            </a:schemeClr>
-          </a:solidFill>
-        </p:spPr>
-        <p:style>
-          <a:lnRef idx="2">
-            <a:schemeClr val="accent1">
-              <a:shade val="50000"/>
-            </a:schemeClr>
-          </a:lnRef>
-          <a:fillRef idx="1">
-            <a:schemeClr val="accent1"/>
-          </a:fillRef>
-          <a:effectRef idx="0">
-            <a:schemeClr val="accent1"/>
-          </a:effectRef>
-          <a:fontRef idx="minor">
-            <a:schemeClr val="lt1"/>
-          </a:fontRef>
-        </p:style>
-        <p:txBody>
-          <a:bodyPr rtlCol="0" anchor="ctr"/>
-          <a:lstStyle/>
-          <a:p>
-            <a:pPr algn="ctr"/>
-            <a:r>
-              <a:rPr lang="zh-CN" altLang="en-US" sz="1200" dirty="0" smtClean="0"/>
-              <a:t>阀类型</a:t>
-            </a:r>
-            <a:endParaRPr lang="zh-CN" altLang="en-US" sz="1200" dirty="0"/>
-          </a:p>
-        </p:txBody>
-      </p:sp>
-      <p:sp>
-        <p:nvSpPr>
-          <p:cNvPr id="37" name="Rectangle 32"/>
-          <p:cNvSpPr/>
-          <p:nvPr/>
-        </p:nvSpPr>
-        <p:spPr>
-          <a:xfrm>
-            <a:off x="1868123" y="3442313"/>
-            <a:ext cx="1343025" cy="342787"/>
-          </a:xfrm>
-          <a:prstGeom prst="rect">
-            <a:avLst/>
-          </a:prstGeom>
-          <a:solidFill>
-            <a:schemeClr val="bg1">
-              <a:lumMod val="95000"/>
-            </a:schemeClr>
-          </a:solidFill>
-        </p:spPr>
-        <p:style>
-          <a:lnRef idx="2">
-            <a:schemeClr val="accent1">
-              <a:shade val="50000"/>
-            </a:schemeClr>
-          </a:lnRef>
-          <a:fillRef idx="1">
-            <a:schemeClr val="accent1"/>
-          </a:fillRef>
-          <a:effectRef idx="0">
-            <a:schemeClr val="accent1"/>
-          </a:effectRef>
-          <a:fontRef idx="minor">
-            <a:schemeClr val="lt1"/>
-          </a:fontRef>
-        </p:style>
-        <p:txBody>
-          <a:bodyPr rtlCol="0" anchor="ctr"/>
-          <a:lstStyle/>
-          <a:p>
-            <a:pPr algn="ctr"/>
-            <a:r>
-              <a:rPr lang="zh-CN" altLang="en-US" sz="1400" dirty="0" smtClean="0">
-                <a:ln w="0"/>
-                <a:solidFill>
-                  <a:schemeClr val="tx1"/>
-                </a:solidFill>
-                <a:effectLst>
-                  <a:outerShdw blurRad="38100" dist="19050" dir="2700000" algn="tl" rotWithShape="0">
-                    <a:schemeClr val="dk1">
-                      <a:alpha val="40000"/>
-                    </a:schemeClr>
-                  </a:outerShdw>
-                </a:effectLst>
-                <a:latin typeface="Arial" panose="020B0604020202020204" pitchFamily="34" charset="0"/>
-                <a:cs typeface="Arial" panose="020B0604020202020204" pitchFamily="34" charset="0"/>
-              </a:rPr>
-              <a:t>亿林</a:t>
-            </a:r>
-            <a:endParaRPr lang="zh-CN" altLang="en-US" sz="1400" dirty="0">
-              <a:ln w="0"/>
-              <a:solidFill>
-                <a:schemeClr val="tx1"/>
-              </a:solidFill>
-              <a:effectLst>
-                <a:outerShdw blurRad="38100" dist="19050" dir="2700000" algn="tl" rotWithShape="0">
-                  <a:schemeClr val="dk1">
-                    <a:alpha val="40000"/>
-                  </a:schemeClr>
-                </a:outerShdw>
-              </a:effectLst>
-              <a:latin typeface="Arial" panose="020B0604020202020204" pitchFamily="34" charset="0"/>
-              <a:cs typeface="Arial" panose="020B0604020202020204" pitchFamily="34" charset="0"/>
-            </a:endParaRPr>
-          </a:p>
-        </p:txBody>
-      </p:sp>
-      <p:sp>
-        <p:nvSpPr>
           <p:cNvPr id="38" name="Rounded Rectangle 14"/>
           <p:cNvSpPr/>
           <p:nvPr/>
@@ -6514,7 +6491,6 @@
               <a:rPr lang="zh-CN" altLang="en-US" sz="1200" dirty="0"/>
               <a:t>波特率</a:t>
             </a:r>
-            <a:endParaRPr lang="zh-CN" altLang="en-US" sz="1200" dirty="0"/>
           </a:p>
         </p:txBody>
       </p:sp>
@@ -13745,11 +13721,7 @@
             <a:pPr algn="ctr"/>
             <a:r>
               <a:rPr lang="zh-CN" altLang="en-US" sz="1100" dirty="0" smtClean="0"/>
-              <a:t>详</a:t>
-            </a:r>
-            <a:r>
-              <a:rPr lang="zh-CN" altLang="en-US" sz="1100" dirty="0" smtClean="0"/>
-              <a:t>单</a:t>
+              <a:t>详单</a:t>
             </a:r>
             <a:endParaRPr lang="zh-CN" altLang="en-US" sz="1100" dirty="0"/>
           </a:p>
@@ -13801,11 +13773,7 @@
             <a:pPr algn="ctr"/>
             <a:r>
               <a:rPr lang="zh-CN" altLang="en-US" sz="1100" dirty="0" smtClean="0"/>
-              <a:t>详</a:t>
-            </a:r>
-            <a:r>
-              <a:rPr lang="zh-CN" altLang="en-US" sz="1100" dirty="0" smtClean="0"/>
-              <a:t>单</a:t>
+              <a:t>详单</a:t>
             </a:r>
             <a:endParaRPr lang="zh-CN" altLang="en-US" sz="1100" dirty="0"/>
           </a:p>
@@ -18862,8 +18830,8 @@
         </p:nvSpPr>
         <p:spPr>
           <a:xfrm>
-            <a:off x="718457" y="1608365"/>
-            <a:ext cx="2939143" cy="4382860"/>
+            <a:off x="816428" y="1802827"/>
+            <a:ext cx="2245179" cy="2924463"/>
           </a:xfrm>
           <a:prstGeom prst="roundRect">
             <a:avLst/>
@@ -18909,7 +18877,7 @@
         <p:spPr>
           <a:xfrm>
             <a:off x="1085850" y="2303064"/>
-            <a:ext cx="2007960" cy="868761"/>
+            <a:ext cx="1583871" cy="465181"/>
           </a:xfrm>
           <a:prstGeom prst="roundRect">
             <a:avLst/>
@@ -18952,8 +18920,8 @@
         </p:nvSpPr>
         <p:spPr>
           <a:xfrm>
-            <a:off x="1085850" y="3490691"/>
-            <a:ext cx="2007960" cy="868761"/>
+            <a:off x="1085849" y="3079476"/>
+            <a:ext cx="1583871" cy="465181"/>
           </a:xfrm>
           <a:prstGeom prst="roundRect">
             <a:avLst/>
@@ -18988,7 +18956,6 @@
               <a:rPr lang="zh-CN" altLang="en-US" dirty="0" smtClean="0"/>
               <a:t>控</a:t>
             </a:r>
-            <a:endParaRPr lang="zh-CN" altLang="en-US" dirty="0" smtClean="0"/>
           </a:p>
         </p:txBody>
       </p:sp>
@@ -19000,8 +18967,8 @@
         </p:nvSpPr>
         <p:spPr>
           <a:xfrm>
-            <a:off x="1085850" y="4678319"/>
-            <a:ext cx="2007960" cy="868761"/>
+            <a:off x="1085849" y="3895012"/>
+            <a:ext cx="1583871" cy="465181"/>
           </a:xfrm>
           <a:prstGeom prst="roundRect">
             <a:avLst/>

--- a/docs/design/界面设计.pptx
+++ b/docs/design/界面设计.pptx
@@ -3280,7 +3280,11 @@
             <a:pPr algn="ctr"/>
             <a:r>
               <a:rPr lang="zh-CN" altLang="en-US" sz="1200" dirty="0" smtClean="0"/>
-              <a:t>表号</a:t>
+              <a:t>旧表</a:t>
+            </a:r>
+            <a:r>
+              <a:rPr lang="zh-CN" altLang="en-US" sz="1200" dirty="0" smtClean="0"/>
+              <a:t>号</a:t>
             </a:r>
             <a:endParaRPr lang="zh-CN" altLang="en-US" sz="1200" dirty="0"/>
           </a:p>
@@ -3371,7 +3375,7 @@
         </p:nvSpPr>
         <p:spPr>
           <a:xfrm>
-            <a:off x="657271" y="3565353"/>
+            <a:off x="657271" y="3483710"/>
             <a:ext cx="836385" cy="342787"/>
           </a:xfrm>
           <a:prstGeom prst="roundRect">
@@ -3415,7 +3419,7 @@
         </p:nvSpPr>
         <p:spPr>
           <a:xfrm>
-            <a:off x="2152650" y="3565353"/>
+            <a:off x="2152650" y="3483710"/>
             <a:ext cx="981075" cy="342787"/>
           </a:xfrm>
           <a:prstGeom prst="roundRect">
@@ -3494,7 +3498,7 @@
             <a:pPr algn="ctr"/>
             <a:r>
               <a:rPr lang="zh-CN" altLang="en-US" sz="1200" dirty="0" smtClean="0"/>
-              <a:t>大</a:t>
+              <a:t>新表号</a:t>
             </a:r>
             <a:endParaRPr lang="zh-CN" altLang="en-US" sz="1200" dirty="0"/>
           </a:p>
@@ -3557,7 +3561,7 @@
                 <a:latin typeface="Arial" panose="020B0604020202020204" pitchFamily="34" charset="0"/>
                 <a:cs typeface="Arial" panose="020B0604020202020204" pitchFamily="34" charset="0"/>
               </a:rPr>
-              <a:t>-6.4</a:t>
+              <a:t>11110052103367</a:t>
             </a:r>
             <a:endParaRPr lang="zh-CN" altLang="en-US" sz="1000" dirty="0">
               <a:ln w="0"/>
@@ -3585,8 +3589,8 @@
         </p:nvSpPr>
         <p:spPr>
           <a:xfrm>
-            <a:off x="666116" y="1943070"/>
-            <a:ext cx="984703" cy="342787"/>
+            <a:off x="686888" y="2175551"/>
+            <a:ext cx="2467609" cy="759309"/>
           </a:xfrm>
           <a:prstGeom prst="roundRect">
             <a:avLst/>
@@ -3618,342 +3622,18 @@
           <a:bodyPr rtlCol="0" anchor="ctr"/>
           <a:lstStyle/>
           <a:p>
-            <a:pPr algn="ctr"/>
             <a:r>
               <a:rPr lang="zh-CN" altLang="en-US" sz="1200" dirty="0" smtClean="0"/>
-              <a:t>中二</a:t>
+              <a:t>请将热表</a:t>
+            </a:r>
+            <a:endParaRPr lang="en-US" altLang="zh-CN" sz="1200" dirty="0" smtClean="0"/>
+          </a:p>
+          <a:p>
+            <a:r>
+              <a:rPr lang="zh-CN" altLang="en-US" sz="1200" dirty="0" smtClean="0"/>
+              <a:t>切换到温差状态</a:t>
             </a:r>
             <a:endParaRPr lang="zh-CN" altLang="en-US" sz="1200" dirty="0"/>
-          </a:p>
-        </p:txBody>
-      </p:sp>
-      <p:sp>
-        <p:nvSpPr>
-          <p:cNvPr id="12" name="Rectangle 11"/>
-          <p:cNvSpPr/>
-          <p:nvPr/>
-        </p:nvSpPr>
-        <p:spPr>
-          <a:xfrm>
-            <a:off x="1784168" y="1929661"/>
-            <a:ext cx="1378132" cy="342787"/>
-          </a:xfrm>
-          <a:prstGeom prst="rect">
-            <a:avLst/>
-          </a:prstGeom>
-          <a:solidFill>
-            <a:schemeClr val="bg1">
-              <a:lumMod val="95000"/>
-            </a:schemeClr>
-          </a:solidFill>
-        </p:spPr>
-        <p:style>
-          <a:lnRef idx="2">
-            <a:schemeClr val="accent1">
-              <a:shade val="50000"/>
-            </a:schemeClr>
-          </a:lnRef>
-          <a:fillRef idx="1">
-            <a:schemeClr val="accent1"/>
-          </a:fillRef>
-          <a:effectRef idx="0">
-            <a:schemeClr val="accent1"/>
-          </a:effectRef>
-          <a:fontRef idx="minor">
-            <a:schemeClr val="lt1"/>
-          </a:fontRef>
-        </p:style>
-        <p:txBody>
-          <a:bodyPr rtlCol="0" anchor="ctr"/>
-          <a:lstStyle/>
-          <a:p>
-            <a:pPr algn="ctr"/>
-            <a:r>
-              <a:rPr lang="en-US" altLang="zh-CN" sz="1000" dirty="0" smtClean="0">
-                <a:ln w="0"/>
-                <a:solidFill>
-                  <a:schemeClr val="tx1"/>
-                </a:solidFill>
-                <a:effectLst>
-                  <a:outerShdw blurRad="38100" dist="19050" dir="2700000" algn="tl" rotWithShape="0">
-                    <a:schemeClr val="dk1">
-                      <a:alpha val="40000"/>
-                    </a:schemeClr>
-                  </a:outerShdw>
-                </a:effectLst>
-                <a:latin typeface="Arial" panose="020B0604020202020204" pitchFamily="34" charset="0"/>
-                <a:cs typeface="Arial" panose="020B0604020202020204" pitchFamily="34" charset="0"/>
-              </a:rPr>
-              <a:t>-3</a:t>
-            </a:r>
-            <a:endParaRPr lang="zh-CN" altLang="en-US" sz="1000" dirty="0">
-              <a:ln w="0"/>
-              <a:solidFill>
-                <a:schemeClr val="tx1"/>
-              </a:solidFill>
-              <a:effectLst>
-                <a:outerShdw blurRad="38100" dist="19050" dir="2700000" algn="tl" rotWithShape="0">
-                  <a:schemeClr val="dk1">
-                    <a:alpha val="40000"/>
-                  </a:schemeClr>
-                </a:outerShdw>
-              </a:effectLst>
-              <a:latin typeface="Arial" panose="020B0604020202020204" pitchFamily="34" charset="0"/>
-              <a:cs typeface="Arial" panose="020B0604020202020204" pitchFamily="34" charset="0"/>
-            </a:endParaRPr>
-          </a:p>
-        </p:txBody>
-      </p:sp>
-      <p:sp>
-        <p:nvSpPr>
-          <p:cNvPr id="13" name="Rounded Rectangle 12"/>
-          <p:cNvSpPr/>
-          <p:nvPr/>
-        </p:nvSpPr>
-        <p:spPr>
-          <a:xfrm>
-            <a:off x="666116" y="2409735"/>
-            <a:ext cx="984703" cy="342787"/>
-          </a:xfrm>
-          <a:prstGeom prst="roundRect">
-            <a:avLst/>
-          </a:prstGeom>
-          <a:solidFill>
-            <a:schemeClr val="tx1">
-              <a:lumMod val="65000"/>
-              <a:lumOff val="35000"/>
-            </a:schemeClr>
-          </a:solidFill>
-        </p:spPr>
-        <p:style>
-          <a:lnRef idx="2">
-            <a:schemeClr val="accent1">
-              <a:shade val="50000"/>
-            </a:schemeClr>
-          </a:lnRef>
-          <a:fillRef idx="1">
-            <a:schemeClr val="accent1"/>
-          </a:fillRef>
-          <a:effectRef idx="0">
-            <a:schemeClr val="accent1"/>
-          </a:effectRef>
-          <a:fontRef idx="minor">
-            <a:schemeClr val="lt1"/>
-          </a:fontRef>
-        </p:style>
-        <p:txBody>
-          <a:bodyPr rtlCol="0" anchor="ctr"/>
-          <a:lstStyle/>
-          <a:p>
-            <a:pPr algn="ctr"/>
-            <a:r>
-              <a:rPr lang="zh-CN" altLang="en-US" sz="1200" dirty="0" smtClean="0"/>
-              <a:t>中一</a:t>
-            </a:r>
-            <a:endParaRPr lang="zh-CN" altLang="en-US" sz="1200" dirty="0"/>
-          </a:p>
-        </p:txBody>
-      </p:sp>
-      <p:sp>
-        <p:nvSpPr>
-          <p:cNvPr id="14" name="Rectangle 13"/>
-          <p:cNvSpPr/>
-          <p:nvPr/>
-        </p:nvSpPr>
-        <p:spPr>
-          <a:xfrm>
-            <a:off x="1784168" y="2396326"/>
-            <a:ext cx="1378132" cy="342787"/>
-          </a:xfrm>
-          <a:prstGeom prst="rect">
-            <a:avLst/>
-          </a:prstGeom>
-          <a:solidFill>
-            <a:schemeClr val="bg1">
-              <a:lumMod val="95000"/>
-            </a:schemeClr>
-          </a:solidFill>
-        </p:spPr>
-        <p:style>
-          <a:lnRef idx="2">
-            <a:schemeClr val="accent1">
-              <a:shade val="50000"/>
-            </a:schemeClr>
-          </a:lnRef>
-          <a:fillRef idx="1">
-            <a:schemeClr val="accent1"/>
-          </a:fillRef>
-          <a:effectRef idx="0">
-            <a:schemeClr val="accent1"/>
-          </a:effectRef>
-          <a:fontRef idx="minor">
-            <a:schemeClr val="lt1"/>
-          </a:fontRef>
-        </p:style>
-        <p:txBody>
-          <a:bodyPr rtlCol="0" anchor="ctr"/>
-          <a:lstStyle/>
-          <a:p>
-            <a:pPr algn="ctr"/>
-            <a:r>
-              <a:rPr lang="en-US" altLang="zh-CN" sz="1000" dirty="0" smtClean="0">
-                <a:ln w="0"/>
-                <a:solidFill>
-                  <a:schemeClr val="tx1"/>
-                </a:solidFill>
-                <a:effectLst>
-                  <a:outerShdw blurRad="38100" dist="19050" dir="2700000" algn="tl" rotWithShape="0">
-                    <a:schemeClr val="dk1">
-                      <a:alpha val="40000"/>
-                    </a:schemeClr>
-                  </a:outerShdw>
-                </a:effectLst>
-                <a:latin typeface="Arial" panose="020B0604020202020204" pitchFamily="34" charset="0"/>
-                <a:cs typeface="Arial" panose="020B0604020202020204" pitchFamily="34" charset="0"/>
-              </a:rPr>
-              <a:t>-1.3</a:t>
-            </a:r>
-            <a:endParaRPr lang="zh-CN" altLang="en-US" sz="1000" dirty="0">
-              <a:ln w="0"/>
-              <a:solidFill>
-                <a:schemeClr val="tx1"/>
-              </a:solidFill>
-              <a:effectLst>
-                <a:outerShdw blurRad="38100" dist="19050" dir="2700000" algn="tl" rotWithShape="0">
-                  <a:schemeClr val="dk1">
-                    <a:alpha val="40000"/>
-                  </a:schemeClr>
-                </a:outerShdw>
-              </a:effectLst>
-              <a:latin typeface="Arial" panose="020B0604020202020204" pitchFamily="34" charset="0"/>
-              <a:cs typeface="Arial" panose="020B0604020202020204" pitchFamily="34" charset="0"/>
-            </a:endParaRPr>
-          </a:p>
-        </p:txBody>
-      </p:sp>
-      <p:sp>
-        <p:nvSpPr>
-          <p:cNvPr id="15" name="Rounded Rectangle 14"/>
-          <p:cNvSpPr/>
-          <p:nvPr/>
-        </p:nvSpPr>
-        <p:spPr>
-          <a:xfrm>
-            <a:off x="666116" y="2895570"/>
-            <a:ext cx="984703" cy="342787"/>
-          </a:xfrm>
-          <a:prstGeom prst="roundRect">
-            <a:avLst/>
-          </a:prstGeom>
-          <a:solidFill>
-            <a:schemeClr val="tx1">
-              <a:lumMod val="65000"/>
-              <a:lumOff val="35000"/>
-            </a:schemeClr>
-          </a:solidFill>
-        </p:spPr>
-        <p:style>
-          <a:lnRef idx="2">
-            <a:schemeClr val="accent1">
-              <a:shade val="50000"/>
-            </a:schemeClr>
-          </a:lnRef>
-          <a:fillRef idx="1">
-            <a:schemeClr val="accent1"/>
-          </a:fillRef>
-          <a:effectRef idx="0">
-            <a:schemeClr val="accent1"/>
-          </a:effectRef>
-          <a:fontRef idx="minor">
-            <a:schemeClr val="lt1"/>
-          </a:fontRef>
-        </p:style>
-        <p:txBody>
-          <a:bodyPr rtlCol="0" anchor="ctr"/>
-          <a:lstStyle/>
-          <a:p>
-            <a:pPr algn="ctr"/>
-            <a:r>
-              <a:rPr lang="zh-CN" altLang="en-US" sz="1200" dirty="0"/>
-              <a:t>小</a:t>
-            </a:r>
-          </a:p>
-        </p:txBody>
-      </p:sp>
-      <p:sp>
-        <p:nvSpPr>
-          <p:cNvPr id="16" name="Rectangle 15"/>
-          <p:cNvSpPr/>
-          <p:nvPr/>
-        </p:nvSpPr>
-        <p:spPr>
-          <a:xfrm>
-            <a:off x="1784168" y="2882161"/>
-            <a:ext cx="1378132" cy="342787"/>
-          </a:xfrm>
-          <a:prstGeom prst="rect">
-            <a:avLst/>
-          </a:prstGeom>
-          <a:solidFill>
-            <a:schemeClr val="bg1">
-              <a:lumMod val="95000"/>
-            </a:schemeClr>
-          </a:solidFill>
-        </p:spPr>
-        <p:style>
-          <a:lnRef idx="2">
-            <a:schemeClr val="accent1">
-              <a:shade val="50000"/>
-            </a:schemeClr>
-          </a:lnRef>
-          <a:fillRef idx="1">
-            <a:schemeClr val="accent1"/>
-          </a:fillRef>
-          <a:effectRef idx="0">
-            <a:schemeClr val="accent1"/>
-          </a:effectRef>
-          <a:fontRef idx="minor">
-            <a:schemeClr val="lt1"/>
-          </a:fontRef>
-        </p:style>
-        <p:txBody>
-          <a:bodyPr rtlCol="0" anchor="ctr"/>
-          <a:lstStyle/>
-          <a:p>
-            <a:pPr algn="ctr"/>
-            <a:r>
-              <a:rPr lang="en-US" altLang="zh-CN" sz="1000" dirty="0" smtClean="0">
-                <a:ln w="0"/>
-                <a:solidFill>
-                  <a:schemeClr val="tx1"/>
-                </a:solidFill>
-                <a:effectLst>
-                  <a:outerShdw blurRad="38100" dist="19050" dir="2700000" algn="tl" rotWithShape="0">
-                    <a:schemeClr val="dk1">
-                      <a:alpha val="40000"/>
-                    </a:schemeClr>
-                  </a:outerShdw>
-                </a:effectLst>
-                <a:latin typeface="Arial" panose="020B0604020202020204" pitchFamily="34" charset="0"/>
-                <a:cs typeface="Arial" panose="020B0604020202020204" pitchFamily="34" charset="0"/>
-              </a:rPr>
-              <a:t>-2.8</a:t>
-            </a:r>
-            <a:endParaRPr lang="zh-CN" altLang="en-US" sz="1000" dirty="0">
-              <a:ln w="0"/>
-              <a:solidFill>
-                <a:schemeClr val="tx1"/>
-              </a:solidFill>
-              <a:effectLst>
-                <a:outerShdw blurRad="38100" dist="19050" dir="2700000" algn="tl" rotWithShape="0">
-                  <a:schemeClr val="dk1">
-                    <a:alpha val="40000"/>
-                  </a:schemeClr>
-                </a:outerShdw>
-              </a:effectLst>
-              <a:latin typeface="Arial" panose="020B0604020202020204" pitchFamily="34" charset="0"/>
-              <a:cs typeface="Arial" panose="020B0604020202020204" pitchFamily="34" charset="0"/>
-            </a:endParaRPr>
           </a:p>
         </p:txBody>
       </p:sp>
@@ -19005,14 +18685,14 @@
       </p:sp>
       <p:sp>
         <p:nvSpPr>
-          <p:cNvPr id="7" name="Rounded Rectangle 6"/>
-          <p:cNvSpPr/>
-          <p:nvPr/>
-        </p:nvSpPr>
-        <p:spPr>
-          <a:xfrm>
-            <a:off x="4708797" y="1608365"/>
-            <a:ext cx="2939143" cy="3382735"/>
+          <p:cNvPr id="17" name="Rounded Rectangle 1"/>
+          <p:cNvSpPr/>
+          <p:nvPr/>
+        </p:nvSpPr>
+        <p:spPr>
+          <a:xfrm>
+            <a:off x="4073979" y="1802827"/>
+            <a:ext cx="1979659" cy="2924463"/>
           </a:xfrm>
           <a:prstGeom prst="roundRect">
             <a:avLst/>
@@ -19051,13 +18731,101 @@
       </p:sp>
       <p:sp>
         <p:nvSpPr>
-          <p:cNvPr id="26" name="Rounded Rectangle 25"/>
-          <p:cNvSpPr/>
-          <p:nvPr/>
-        </p:nvSpPr>
-        <p:spPr>
-          <a:xfrm>
-            <a:off x="8823597" y="1608365"/>
+          <p:cNvPr id="18" name="Rounded Rectangle 3"/>
+          <p:cNvSpPr/>
+          <p:nvPr/>
+        </p:nvSpPr>
+        <p:spPr>
+          <a:xfrm>
+            <a:off x="4247695" y="2303064"/>
+            <a:ext cx="1583871" cy="465181"/>
+          </a:xfrm>
+          <a:prstGeom prst="roundRect">
+            <a:avLst/>
+          </a:prstGeom>
+        </p:spPr>
+        <p:style>
+          <a:lnRef idx="2">
+            <a:schemeClr val="accent1">
+              <a:shade val="50000"/>
+            </a:schemeClr>
+          </a:lnRef>
+          <a:fillRef idx="1">
+            <a:schemeClr val="accent1"/>
+          </a:fillRef>
+          <a:effectRef idx="0">
+            <a:schemeClr val="accent1"/>
+          </a:effectRef>
+          <a:fontRef idx="minor">
+            <a:schemeClr val="lt1"/>
+          </a:fontRef>
+        </p:style>
+        <p:txBody>
+          <a:bodyPr rtlCol="0" anchor="ctr"/>
+          <a:lstStyle/>
+          <a:p>
+            <a:pPr algn="ctr"/>
+            <a:r>
+              <a:rPr lang="zh-CN" altLang="en-US" dirty="0" smtClean="0"/>
+              <a:t>误差</a:t>
+            </a:r>
+            <a:endParaRPr lang="zh-CN" altLang="en-US" dirty="0"/>
+          </a:p>
+        </p:txBody>
+      </p:sp>
+      <p:sp>
+        <p:nvSpPr>
+          <p:cNvPr id="19" name="Rounded Rectangle 4"/>
+          <p:cNvSpPr/>
+          <p:nvPr/>
+        </p:nvSpPr>
+        <p:spPr>
+          <a:xfrm>
+            <a:off x="4247695" y="3312066"/>
+            <a:ext cx="1583871" cy="465181"/>
+          </a:xfrm>
+          <a:prstGeom prst="roundRect">
+            <a:avLst/>
+          </a:prstGeom>
+        </p:spPr>
+        <p:style>
+          <a:lnRef idx="2">
+            <a:schemeClr val="accent1">
+              <a:shade val="50000"/>
+            </a:schemeClr>
+          </a:lnRef>
+          <a:fillRef idx="1">
+            <a:schemeClr val="accent1"/>
+          </a:fillRef>
+          <a:effectRef idx="0">
+            <a:schemeClr val="accent1"/>
+          </a:effectRef>
+          <a:fontRef idx="minor">
+            <a:schemeClr val="lt1"/>
+          </a:fontRef>
+        </p:style>
+        <p:txBody>
+          <a:bodyPr rtlCol="0" anchor="ctr"/>
+          <a:lstStyle/>
+          <a:p>
+            <a:pPr algn="ctr"/>
+            <a:r>
+              <a:rPr lang="zh-CN" altLang="en-US" dirty="0"/>
+              <a:t>表号</a:t>
+            </a:r>
+            <a:endParaRPr lang="zh-CN" altLang="en-US" dirty="0" smtClean="0"/>
+          </a:p>
+        </p:txBody>
+      </p:sp>
+      <p:sp>
+        <p:nvSpPr>
+          <p:cNvPr id="21" name="Rounded Rectangle 1"/>
+          <p:cNvSpPr/>
+          <p:nvPr/>
+        </p:nvSpPr>
+        <p:spPr>
+          <a:xfrm>
+            <a:off x="7385956" y="1802827"/>
             <a:ext cx="2939143" cy="3382735"/>
           </a:xfrm>
           <a:prstGeom prst="roundRect">
@@ -19088,7 +18856,101 @@
         </p:style>
         <p:txBody>
           <a:bodyPr rtlCol="0" anchor="ctr"/>
-          <a:lstStyle/>
+          <a:lstStyle>
+            <a:defPPr>
+              <a:defRPr lang="zh-CN"/>
+            </a:defPPr>
+            <a:lvl1pPr marL="0" algn="l" defTabSz="914400" rtl="0" eaLnBrk="1" latinLnBrk="0" hangingPunct="1">
+              <a:defRPr sz="1800" kern="1200">
+                <a:solidFill>
+                  <a:schemeClr val="lt1"/>
+                </a:solidFill>
+                <a:latin typeface="+mn-lt"/>
+                <a:ea typeface="+mn-ea"/>
+                <a:cs typeface="+mn-cs"/>
+              </a:defRPr>
+            </a:lvl1pPr>
+            <a:lvl2pPr marL="457200" algn="l" defTabSz="914400" rtl="0" eaLnBrk="1" latinLnBrk="0" hangingPunct="1">
+              <a:defRPr sz="1800" kern="1200">
+                <a:solidFill>
+                  <a:schemeClr val="lt1"/>
+                </a:solidFill>
+                <a:latin typeface="+mn-lt"/>
+                <a:ea typeface="+mn-ea"/>
+                <a:cs typeface="+mn-cs"/>
+              </a:defRPr>
+            </a:lvl2pPr>
+            <a:lvl3pPr marL="914400" algn="l" defTabSz="914400" rtl="0" eaLnBrk="1" latinLnBrk="0" hangingPunct="1">
+              <a:defRPr sz="1800" kern="1200">
+                <a:solidFill>
+                  <a:schemeClr val="lt1"/>
+                </a:solidFill>
+                <a:latin typeface="+mn-lt"/>
+                <a:ea typeface="+mn-ea"/>
+                <a:cs typeface="+mn-cs"/>
+              </a:defRPr>
+            </a:lvl3pPr>
+            <a:lvl4pPr marL="1371600" algn="l" defTabSz="914400" rtl="0" eaLnBrk="1" latinLnBrk="0" hangingPunct="1">
+              <a:defRPr sz="1800" kern="1200">
+                <a:solidFill>
+                  <a:schemeClr val="lt1"/>
+                </a:solidFill>
+                <a:latin typeface="+mn-lt"/>
+                <a:ea typeface="+mn-ea"/>
+                <a:cs typeface="+mn-cs"/>
+              </a:defRPr>
+            </a:lvl4pPr>
+            <a:lvl5pPr marL="1828800" algn="l" defTabSz="914400" rtl="0" eaLnBrk="1" latinLnBrk="0" hangingPunct="1">
+              <a:defRPr sz="1800" kern="1200">
+                <a:solidFill>
+                  <a:schemeClr val="lt1"/>
+                </a:solidFill>
+                <a:latin typeface="+mn-lt"/>
+                <a:ea typeface="+mn-ea"/>
+                <a:cs typeface="+mn-cs"/>
+              </a:defRPr>
+            </a:lvl5pPr>
+            <a:lvl6pPr marL="2286000" algn="l" defTabSz="914400" rtl="0" eaLnBrk="1" latinLnBrk="0" hangingPunct="1">
+              <a:defRPr sz="1800" kern="1200">
+                <a:solidFill>
+                  <a:schemeClr val="lt1"/>
+                </a:solidFill>
+                <a:latin typeface="+mn-lt"/>
+                <a:ea typeface="+mn-ea"/>
+                <a:cs typeface="+mn-cs"/>
+              </a:defRPr>
+            </a:lvl6pPr>
+            <a:lvl7pPr marL="2743200" algn="l" defTabSz="914400" rtl="0" eaLnBrk="1" latinLnBrk="0" hangingPunct="1">
+              <a:defRPr sz="1800" kern="1200">
+                <a:solidFill>
+                  <a:schemeClr val="lt1"/>
+                </a:solidFill>
+                <a:latin typeface="+mn-lt"/>
+                <a:ea typeface="+mn-ea"/>
+                <a:cs typeface="+mn-cs"/>
+              </a:defRPr>
+            </a:lvl7pPr>
+            <a:lvl8pPr marL="3200400" algn="l" defTabSz="914400" rtl="0" eaLnBrk="1" latinLnBrk="0" hangingPunct="1">
+              <a:defRPr sz="1800" kern="1200">
+                <a:solidFill>
+                  <a:schemeClr val="lt1"/>
+                </a:solidFill>
+                <a:latin typeface="+mn-lt"/>
+                <a:ea typeface="+mn-ea"/>
+                <a:cs typeface="+mn-cs"/>
+              </a:defRPr>
+            </a:lvl8pPr>
+            <a:lvl9pPr marL="3657600" algn="l" defTabSz="914400" rtl="0" eaLnBrk="1" latinLnBrk="0" hangingPunct="1">
+              <a:defRPr sz="1800" kern="1200">
+                <a:solidFill>
+                  <a:schemeClr val="lt1"/>
+                </a:solidFill>
+                <a:latin typeface="+mn-lt"/>
+                <a:ea typeface="+mn-ea"/>
+                <a:cs typeface="+mn-cs"/>
+              </a:defRPr>
+            </a:lvl9pPr>
+          </a:lstStyle>
           <a:p>
             <a:pPr algn="ctr"/>
             <a:endParaRPr lang="zh-CN" altLang="en-US"/>
@@ -19097,23 +18959,20 @@
       </p:sp>
       <p:sp>
         <p:nvSpPr>
-          <p:cNvPr id="28" name="Rounded Rectangle 27"/>
-          <p:cNvSpPr/>
-          <p:nvPr/>
-        </p:nvSpPr>
-        <p:spPr>
-          <a:xfrm>
-            <a:off x="9038591" y="2068568"/>
+          <p:cNvPr id="22" name="Rounded Rectangle 3"/>
+          <p:cNvSpPr/>
+          <p:nvPr/>
+        </p:nvSpPr>
+        <p:spPr>
+          <a:xfrm>
+            <a:off x="7600950" y="2139205"/>
             <a:ext cx="984703" cy="342787"/>
           </a:xfrm>
           <a:prstGeom prst="roundRect">
             <a:avLst/>
           </a:prstGeom>
           <a:solidFill>
-            <a:schemeClr val="tx1">
-              <a:lumMod val="65000"/>
-              <a:lumOff val="35000"/>
-            </a:schemeClr>
+            <a:schemeClr val="accent1"/>
           </a:solidFill>
         </p:spPr>
         <p:style>
@@ -19134,12 +18993,106 @@
         </p:style>
         <p:txBody>
           <a:bodyPr rtlCol="0" anchor="ctr"/>
-          <a:lstStyle/>
+          <a:lstStyle>
+            <a:defPPr>
+              <a:defRPr lang="zh-CN"/>
+            </a:defPPr>
+            <a:lvl1pPr marL="0" algn="l" defTabSz="914400" rtl="0" eaLnBrk="1" latinLnBrk="0" hangingPunct="1">
+              <a:defRPr sz="1800" kern="1200">
+                <a:solidFill>
+                  <a:schemeClr val="lt1"/>
+                </a:solidFill>
+                <a:latin typeface="+mn-lt"/>
+                <a:ea typeface="+mn-ea"/>
+                <a:cs typeface="+mn-cs"/>
+              </a:defRPr>
+            </a:lvl1pPr>
+            <a:lvl2pPr marL="457200" algn="l" defTabSz="914400" rtl="0" eaLnBrk="1" latinLnBrk="0" hangingPunct="1">
+              <a:defRPr sz="1800" kern="1200">
+                <a:solidFill>
+                  <a:schemeClr val="lt1"/>
+                </a:solidFill>
+                <a:latin typeface="+mn-lt"/>
+                <a:ea typeface="+mn-ea"/>
+                <a:cs typeface="+mn-cs"/>
+              </a:defRPr>
+            </a:lvl2pPr>
+            <a:lvl3pPr marL="914400" algn="l" defTabSz="914400" rtl="0" eaLnBrk="1" latinLnBrk="0" hangingPunct="1">
+              <a:defRPr sz="1800" kern="1200">
+                <a:solidFill>
+                  <a:schemeClr val="lt1"/>
+                </a:solidFill>
+                <a:latin typeface="+mn-lt"/>
+                <a:ea typeface="+mn-ea"/>
+                <a:cs typeface="+mn-cs"/>
+              </a:defRPr>
+            </a:lvl3pPr>
+            <a:lvl4pPr marL="1371600" algn="l" defTabSz="914400" rtl="0" eaLnBrk="1" latinLnBrk="0" hangingPunct="1">
+              <a:defRPr sz="1800" kern="1200">
+                <a:solidFill>
+                  <a:schemeClr val="lt1"/>
+                </a:solidFill>
+                <a:latin typeface="+mn-lt"/>
+                <a:ea typeface="+mn-ea"/>
+                <a:cs typeface="+mn-cs"/>
+              </a:defRPr>
+            </a:lvl4pPr>
+            <a:lvl5pPr marL="1828800" algn="l" defTabSz="914400" rtl="0" eaLnBrk="1" latinLnBrk="0" hangingPunct="1">
+              <a:defRPr sz="1800" kern="1200">
+                <a:solidFill>
+                  <a:schemeClr val="lt1"/>
+                </a:solidFill>
+                <a:latin typeface="+mn-lt"/>
+                <a:ea typeface="+mn-ea"/>
+                <a:cs typeface="+mn-cs"/>
+              </a:defRPr>
+            </a:lvl5pPr>
+            <a:lvl6pPr marL="2286000" algn="l" defTabSz="914400" rtl="0" eaLnBrk="1" latinLnBrk="0" hangingPunct="1">
+              <a:defRPr sz="1800" kern="1200">
+                <a:solidFill>
+                  <a:schemeClr val="lt1"/>
+                </a:solidFill>
+                <a:latin typeface="+mn-lt"/>
+                <a:ea typeface="+mn-ea"/>
+                <a:cs typeface="+mn-cs"/>
+              </a:defRPr>
+            </a:lvl6pPr>
+            <a:lvl7pPr marL="2743200" algn="l" defTabSz="914400" rtl="0" eaLnBrk="1" latinLnBrk="0" hangingPunct="1">
+              <a:defRPr sz="1800" kern="1200">
+                <a:solidFill>
+                  <a:schemeClr val="lt1"/>
+                </a:solidFill>
+                <a:latin typeface="+mn-lt"/>
+                <a:ea typeface="+mn-ea"/>
+                <a:cs typeface="+mn-cs"/>
+              </a:defRPr>
+            </a:lvl7pPr>
+            <a:lvl8pPr marL="3200400" algn="l" defTabSz="914400" rtl="0" eaLnBrk="1" latinLnBrk="0" hangingPunct="1">
+              <a:defRPr sz="1800" kern="1200">
+                <a:solidFill>
+                  <a:schemeClr val="lt1"/>
+                </a:solidFill>
+                <a:latin typeface="+mn-lt"/>
+                <a:ea typeface="+mn-ea"/>
+                <a:cs typeface="+mn-cs"/>
+              </a:defRPr>
+            </a:lvl8pPr>
+            <a:lvl9pPr marL="3657600" algn="l" defTabSz="914400" rtl="0" eaLnBrk="1" latinLnBrk="0" hangingPunct="1">
+              <a:defRPr sz="1800" kern="1200">
+                <a:solidFill>
+                  <a:schemeClr val="lt1"/>
+                </a:solidFill>
+                <a:latin typeface="+mn-lt"/>
+                <a:ea typeface="+mn-ea"/>
+                <a:cs typeface="+mn-cs"/>
+              </a:defRPr>
+            </a:lvl9pPr>
+          </a:lstStyle>
           <a:p>
             <a:pPr algn="ctr"/>
             <a:r>
               <a:rPr lang="zh-CN" altLang="en-US" sz="1200" dirty="0" smtClean="0"/>
-              <a:t>热表号</a:t>
+              <a:t>表号</a:t>
             </a:r>
             <a:endParaRPr lang="zh-CN" altLang="en-US" sz="1200" dirty="0"/>
           </a:p>
@@ -19147,13 +19100,13 @@
       </p:sp>
       <p:sp>
         <p:nvSpPr>
-          <p:cNvPr id="29" name="Rectangle 28"/>
-          <p:cNvSpPr/>
-          <p:nvPr/>
-        </p:nvSpPr>
-        <p:spPr>
-          <a:xfrm>
-            <a:off x="10156643" y="2055159"/>
+          <p:cNvPr id="23" name="Rectangle 4"/>
+          <p:cNvSpPr/>
+          <p:nvPr/>
+        </p:nvSpPr>
+        <p:spPr>
+          <a:xfrm>
+            <a:off x="8719002" y="2125796"/>
             <a:ext cx="1378132" cy="342787"/>
           </a:xfrm>
           <a:prstGeom prst="rect">
@@ -19183,7 +19136,101 @@
         </p:style>
         <p:txBody>
           <a:bodyPr rtlCol="0" anchor="ctr"/>
-          <a:lstStyle/>
+          <a:lstStyle>
+            <a:defPPr>
+              <a:defRPr lang="zh-CN"/>
+            </a:defPPr>
+            <a:lvl1pPr marL="0" algn="l" defTabSz="914400" rtl="0" eaLnBrk="1" latinLnBrk="0" hangingPunct="1">
+              <a:defRPr sz="1800" kern="1200">
+                <a:solidFill>
+                  <a:schemeClr val="lt1"/>
+                </a:solidFill>
+                <a:latin typeface="+mn-lt"/>
+                <a:ea typeface="+mn-ea"/>
+                <a:cs typeface="+mn-cs"/>
+              </a:defRPr>
+            </a:lvl1pPr>
+            <a:lvl2pPr marL="457200" algn="l" defTabSz="914400" rtl="0" eaLnBrk="1" latinLnBrk="0" hangingPunct="1">
+              <a:defRPr sz="1800" kern="1200">
+                <a:solidFill>
+                  <a:schemeClr val="lt1"/>
+                </a:solidFill>
+                <a:latin typeface="+mn-lt"/>
+                <a:ea typeface="+mn-ea"/>
+                <a:cs typeface="+mn-cs"/>
+              </a:defRPr>
+            </a:lvl2pPr>
+            <a:lvl3pPr marL="914400" algn="l" defTabSz="914400" rtl="0" eaLnBrk="1" latinLnBrk="0" hangingPunct="1">
+              <a:defRPr sz="1800" kern="1200">
+                <a:solidFill>
+                  <a:schemeClr val="lt1"/>
+                </a:solidFill>
+                <a:latin typeface="+mn-lt"/>
+                <a:ea typeface="+mn-ea"/>
+                <a:cs typeface="+mn-cs"/>
+              </a:defRPr>
+            </a:lvl3pPr>
+            <a:lvl4pPr marL="1371600" algn="l" defTabSz="914400" rtl="0" eaLnBrk="1" latinLnBrk="0" hangingPunct="1">
+              <a:defRPr sz="1800" kern="1200">
+                <a:solidFill>
+                  <a:schemeClr val="lt1"/>
+                </a:solidFill>
+                <a:latin typeface="+mn-lt"/>
+                <a:ea typeface="+mn-ea"/>
+                <a:cs typeface="+mn-cs"/>
+              </a:defRPr>
+            </a:lvl4pPr>
+            <a:lvl5pPr marL="1828800" algn="l" defTabSz="914400" rtl="0" eaLnBrk="1" latinLnBrk="0" hangingPunct="1">
+              <a:defRPr sz="1800" kern="1200">
+                <a:solidFill>
+                  <a:schemeClr val="lt1"/>
+                </a:solidFill>
+                <a:latin typeface="+mn-lt"/>
+                <a:ea typeface="+mn-ea"/>
+                <a:cs typeface="+mn-cs"/>
+              </a:defRPr>
+            </a:lvl5pPr>
+            <a:lvl6pPr marL="2286000" algn="l" defTabSz="914400" rtl="0" eaLnBrk="1" latinLnBrk="0" hangingPunct="1">
+              <a:defRPr sz="1800" kern="1200">
+                <a:solidFill>
+                  <a:schemeClr val="lt1"/>
+                </a:solidFill>
+                <a:latin typeface="+mn-lt"/>
+                <a:ea typeface="+mn-ea"/>
+                <a:cs typeface="+mn-cs"/>
+              </a:defRPr>
+            </a:lvl6pPr>
+            <a:lvl7pPr marL="2743200" algn="l" defTabSz="914400" rtl="0" eaLnBrk="1" latinLnBrk="0" hangingPunct="1">
+              <a:defRPr sz="1800" kern="1200">
+                <a:solidFill>
+                  <a:schemeClr val="lt1"/>
+                </a:solidFill>
+                <a:latin typeface="+mn-lt"/>
+                <a:ea typeface="+mn-ea"/>
+                <a:cs typeface="+mn-cs"/>
+              </a:defRPr>
+            </a:lvl7pPr>
+            <a:lvl8pPr marL="3200400" algn="l" defTabSz="914400" rtl="0" eaLnBrk="1" latinLnBrk="0" hangingPunct="1">
+              <a:defRPr sz="1800" kern="1200">
+                <a:solidFill>
+                  <a:schemeClr val="lt1"/>
+                </a:solidFill>
+                <a:latin typeface="+mn-lt"/>
+                <a:ea typeface="+mn-ea"/>
+                <a:cs typeface="+mn-cs"/>
+              </a:defRPr>
+            </a:lvl8pPr>
+            <a:lvl9pPr marL="3657600" algn="l" defTabSz="914400" rtl="0" eaLnBrk="1" latinLnBrk="0" hangingPunct="1">
+              <a:defRPr sz="1800" kern="1200">
+                <a:solidFill>
+                  <a:schemeClr val="lt1"/>
+                </a:solidFill>
+                <a:latin typeface="+mn-lt"/>
+                <a:ea typeface="+mn-ea"/>
+                <a:cs typeface="+mn-cs"/>
+              </a:defRPr>
+            </a:lvl9pPr>
+          </a:lstStyle>
           <a:p>
             <a:pPr algn="ctr"/>
             <a:r>
@@ -19224,13 +19271,13 @@
       </p:sp>
       <p:sp>
         <p:nvSpPr>
-          <p:cNvPr id="30" name="Rounded Rectangle 29"/>
-          <p:cNvSpPr/>
-          <p:nvPr/>
-        </p:nvSpPr>
-        <p:spPr>
-          <a:xfrm>
-            <a:off x="9001171" y="4384503"/>
+          <p:cNvPr id="24" name="Rounded Rectangle 5"/>
+          <p:cNvSpPr/>
+          <p:nvPr/>
+        </p:nvSpPr>
+        <p:spPr>
+          <a:xfrm>
+            <a:off x="7592105" y="4740890"/>
             <a:ext cx="836385" cy="342787"/>
           </a:xfrm>
           <a:prstGeom prst="roundRect">
@@ -19255,7 +19302,101 @@
         </p:style>
         <p:txBody>
           <a:bodyPr rtlCol="0" anchor="ctr"/>
-          <a:lstStyle/>
+          <a:lstStyle>
+            <a:defPPr>
+              <a:defRPr lang="zh-CN"/>
+            </a:defPPr>
+            <a:lvl1pPr marL="0" algn="l" defTabSz="914400" rtl="0" eaLnBrk="1" latinLnBrk="0" hangingPunct="1">
+              <a:defRPr sz="1800" kern="1200">
+                <a:solidFill>
+                  <a:schemeClr val="lt1"/>
+                </a:solidFill>
+                <a:latin typeface="+mn-lt"/>
+                <a:ea typeface="+mn-ea"/>
+                <a:cs typeface="+mn-cs"/>
+              </a:defRPr>
+            </a:lvl1pPr>
+            <a:lvl2pPr marL="457200" algn="l" defTabSz="914400" rtl="0" eaLnBrk="1" latinLnBrk="0" hangingPunct="1">
+              <a:defRPr sz="1800" kern="1200">
+                <a:solidFill>
+                  <a:schemeClr val="lt1"/>
+                </a:solidFill>
+                <a:latin typeface="+mn-lt"/>
+                <a:ea typeface="+mn-ea"/>
+                <a:cs typeface="+mn-cs"/>
+              </a:defRPr>
+            </a:lvl2pPr>
+            <a:lvl3pPr marL="914400" algn="l" defTabSz="914400" rtl="0" eaLnBrk="1" latinLnBrk="0" hangingPunct="1">
+              <a:defRPr sz="1800" kern="1200">
+                <a:solidFill>
+                  <a:schemeClr val="lt1"/>
+                </a:solidFill>
+                <a:latin typeface="+mn-lt"/>
+                <a:ea typeface="+mn-ea"/>
+                <a:cs typeface="+mn-cs"/>
+              </a:defRPr>
+            </a:lvl3pPr>
+            <a:lvl4pPr marL="1371600" algn="l" defTabSz="914400" rtl="0" eaLnBrk="1" latinLnBrk="0" hangingPunct="1">
+              <a:defRPr sz="1800" kern="1200">
+                <a:solidFill>
+                  <a:schemeClr val="lt1"/>
+                </a:solidFill>
+                <a:latin typeface="+mn-lt"/>
+                <a:ea typeface="+mn-ea"/>
+                <a:cs typeface="+mn-cs"/>
+              </a:defRPr>
+            </a:lvl4pPr>
+            <a:lvl5pPr marL="1828800" algn="l" defTabSz="914400" rtl="0" eaLnBrk="1" latinLnBrk="0" hangingPunct="1">
+              <a:defRPr sz="1800" kern="1200">
+                <a:solidFill>
+                  <a:schemeClr val="lt1"/>
+                </a:solidFill>
+                <a:latin typeface="+mn-lt"/>
+                <a:ea typeface="+mn-ea"/>
+                <a:cs typeface="+mn-cs"/>
+              </a:defRPr>
+            </a:lvl5pPr>
+            <a:lvl6pPr marL="2286000" algn="l" defTabSz="914400" rtl="0" eaLnBrk="1" latinLnBrk="0" hangingPunct="1">
+              <a:defRPr sz="1800" kern="1200">
+                <a:solidFill>
+                  <a:schemeClr val="lt1"/>
+                </a:solidFill>
+                <a:latin typeface="+mn-lt"/>
+                <a:ea typeface="+mn-ea"/>
+                <a:cs typeface="+mn-cs"/>
+              </a:defRPr>
+            </a:lvl6pPr>
+            <a:lvl7pPr marL="2743200" algn="l" defTabSz="914400" rtl="0" eaLnBrk="1" latinLnBrk="0" hangingPunct="1">
+              <a:defRPr sz="1800" kern="1200">
+                <a:solidFill>
+                  <a:schemeClr val="lt1"/>
+                </a:solidFill>
+                <a:latin typeface="+mn-lt"/>
+                <a:ea typeface="+mn-ea"/>
+                <a:cs typeface="+mn-cs"/>
+              </a:defRPr>
+            </a:lvl7pPr>
+            <a:lvl8pPr marL="3200400" algn="l" defTabSz="914400" rtl="0" eaLnBrk="1" latinLnBrk="0" hangingPunct="1">
+              <a:defRPr sz="1800" kern="1200">
+                <a:solidFill>
+                  <a:schemeClr val="lt1"/>
+                </a:solidFill>
+                <a:latin typeface="+mn-lt"/>
+                <a:ea typeface="+mn-ea"/>
+                <a:cs typeface="+mn-cs"/>
+              </a:defRPr>
+            </a:lvl8pPr>
+            <a:lvl9pPr marL="3657600" algn="l" defTabSz="914400" rtl="0" eaLnBrk="1" latinLnBrk="0" hangingPunct="1">
+              <a:defRPr sz="1800" kern="1200">
+                <a:solidFill>
+                  <a:schemeClr val="lt1"/>
+                </a:solidFill>
+                <a:latin typeface="+mn-lt"/>
+                <a:ea typeface="+mn-ea"/>
+                <a:cs typeface="+mn-cs"/>
+              </a:defRPr>
+            </a:lvl9pPr>
+          </a:lstStyle>
           <a:p>
             <a:pPr algn="ctr"/>
             <a:r>
@@ -19268,13 +19409,13 @@
       </p:sp>
       <p:sp>
         <p:nvSpPr>
-          <p:cNvPr id="31" name="Rounded Rectangle 30"/>
-          <p:cNvSpPr/>
-          <p:nvPr/>
-        </p:nvSpPr>
-        <p:spPr>
-          <a:xfrm>
-            <a:off x="10496550" y="4384503"/>
+          <p:cNvPr id="25" name="Rounded Rectangle 6"/>
+          <p:cNvSpPr/>
+          <p:nvPr/>
+        </p:nvSpPr>
+        <p:spPr>
+          <a:xfrm>
+            <a:off x="9087484" y="4740890"/>
             <a:ext cx="981075" cy="342787"/>
           </a:xfrm>
           <a:prstGeom prst="roundRect">
@@ -19299,167 +19440,130 @@
         </p:style>
         <p:txBody>
           <a:bodyPr rtlCol="0" anchor="ctr"/>
-          <a:lstStyle/>
-          <a:p>
-            <a:pPr algn="ctr"/>
-            <a:r>
-              <a:rPr lang="zh-CN" altLang="en-US" dirty="0" smtClean="0"/>
-              <a:t>读取</a:t>
-            </a:r>
-            <a:endParaRPr lang="zh-CN" altLang="en-US" dirty="0"/>
-          </a:p>
-        </p:txBody>
-      </p:sp>
-      <p:sp>
-        <p:nvSpPr>
-          <p:cNvPr id="45" name="Rounded Rectangle 44"/>
-          <p:cNvSpPr/>
-          <p:nvPr/>
-        </p:nvSpPr>
-        <p:spPr>
-          <a:xfrm>
-            <a:off x="5280750" y="1802828"/>
-            <a:ext cx="1738993" cy="359347"/>
-          </a:xfrm>
-          <a:prstGeom prst="roundRect">
-            <a:avLst/>
-          </a:prstGeom>
-        </p:spPr>
-        <p:style>
-          <a:lnRef idx="2">
-            <a:schemeClr val="accent1">
-              <a:shade val="50000"/>
-            </a:schemeClr>
-          </a:lnRef>
-          <a:fillRef idx="1">
-            <a:schemeClr val="accent1"/>
-          </a:fillRef>
-          <a:effectRef idx="0">
-            <a:schemeClr val="accent1"/>
-          </a:effectRef>
-          <a:fontRef idx="minor">
-            <a:schemeClr val="lt1"/>
-          </a:fontRef>
-        </p:style>
-        <p:txBody>
-          <a:bodyPr rtlCol="0" anchor="ctr"/>
-          <a:lstStyle/>
-          <a:p>
-            <a:pPr algn="ctr"/>
-            <a:r>
-              <a:rPr lang="zh-CN" altLang="en-US" dirty="0" smtClean="0"/>
-              <a:t>广播读取表号</a:t>
-            </a:r>
-            <a:endParaRPr lang="zh-CN" altLang="en-US" dirty="0"/>
-          </a:p>
-        </p:txBody>
-      </p:sp>
-      <p:sp>
-        <p:nvSpPr>
-          <p:cNvPr id="46" name="Rounded Rectangle 45"/>
-          <p:cNvSpPr/>
-          <p:nvPr/>
-        </p:nvSpPr>
-        <p:spPr>
-          <a:xfrm>
-            <a:off x="5280750" y="2335688"/>
-            <a:ext cx="1738993" cy="359347"/>
-          </a:xfrm>
-          <a:prstGeom prst="roundRect">
-            <a:avLst/>
-          </a:prstGeom>
-        </p:spPr>
-        <p:style>
-          <a:lnRef idx="2">
-            <a:schemeClr val="accent1">
-              <a:shade val="50000"/>
-            </a:schemeClr>
-          </a:lnRef>
-          <a:fillRef idx="1">
-            <a:schemeClr val="accent1"/>
-          </a:fillRef>
-          <a:effectRef idx="0">
-            <a:schemeClr val="accent1"/>
-          </a:effectRef>
-          <a:fontRef idx="minor">
-            <a:schemeClr val="lt1"/>
-          </a:fontRef>
-        </p:style>
-        <p:txBody>
-          <a:bodyPr rtlCol="0" anchor="ctr"/>
-          <a:lstStyle/>
-          <a:p>
-            <a:pPr algn="ctr"/>
-            <a:r>
-              <a:rPr lang="zh-CN" altLang="en-US" dirty="0" smtClean="0"/>
-              <a:t>读取误差</a:t>
-            </a:r>
-            <a:endParaRPr lang="zh-CN" altLang="en-US" dirty="0"/>
-          </a:p>
-        </p:txBody>
-      </p:sp>
-      <p:sp>
-        <p:nvSpPr>
-          <p:cNvPr id="47" name="Rounded Rectangle 46"/>
-          <p:cNvSpPr/>
-          <p:nvPr/>
-        </p:nvSpPr>
-        <p:spPr>
-          <a:xfrm>
-            <a:off x="5280749" y="2860212"/>
-            <a:ext cx="1738993" cy="359347"/>
-          </a:xfrm>
-          <a:prstGeom prst="roundRect">
-            <a:avLst/>
-          </a:prstGeom>
-        </p:spPr>
-        <p:style>
-          <a:lnRef idx="2">
-            <a:schemeClr val="accent1">
-              <a:shade val="50000"/>
-            </a:schemeClr>
-          </a:lnRef>
-          <a:fillRef idx="1">
-            <a:schemeClr val="accent1"/>
-          </a:fillRef>
-          <a:effectRef idx="0">
-            <a:schemeClr val="accent1"/>
-          </a:effectRef>
-          <a:fontRef idx="minor">
-            <a:schemeClr val="lt1"/>
-          </a:fontRef>
-        </p:style>
-        <p:txBody>
-          <a:bodyPr rtlCol="0" anchor="ctr"/>
-          <a:lstStyle/>
+          <a:lstStyle>
+            <a:defPPr>
+              <a:defRPr lang="zh-CN"/>
+            </a:defPPr>
+            <a:lvl1pPr marL="0" algn="l" defTabSz="914400" rtl="0" eaLnBrk="1" latinLnBrk="0" hangingPunct="1">
+              <a:defRPr sz="1800" kern="1200">
+                <a:solidFill>
+                  <a:schemeClr val="lt1"/>
+                </a:solidFill>
+                <a:latin typeface="+mn-lt"/>
+                <a:ea typeface="+mn-ea"/>
+                <a:cs typeface="+mn-cs"/>
+              </a:defRPr>
+            </a:lvl1pPr>
+            <a:lvl2pPr marL="457200" algn="l" defTabSz="914400" rtl="0" eaLnBrk="1" latinLnBrk="0" hangingPunct="1">
+              <a:defRPr sz="1800" kern="1200">
+                <a:solidFill>
+                  <a:schemeClr val="lt1"/>
+                </a:solidFill>
+                <a:latin typeface="+mn-lt"/>
+                <a:ea typeface="+mn-ea"/>
+                <a:cs typeface="+mn-cs"/>
+              </a:defRPr>
+            </a:lvl2pPr>
+            <a:lvl3pPr marL="914400" algn="l" defTabSz="914400" rtl="0" eaLnBrk="1" latinLnBrk="0" hangingPunct="1">
+              <a:defRPr sz="1800" kern="1200">
+                <a:solidFill>
+                  <a:schemeClr val="lt1"/>
+                </a:solidFill>
+                <a:latin typeface="+mn-lt"/>
+                <a:ea typeface="+mn-ea"/>
+                <a:cs typeface="+mn-cs"/>
+              </a:defRPr>
+            </a:lvl3pPr>
+            <a:lvl4pPr marL="1371600" algn="l" defTabSz="914400" rtl="0" eaLnBrk="1" latinLnBrk="0" hangingPunct="1">
+              <a:defRPr sz="1800" kern="1200">
+                <a:solidFill>
+                  <a:schemeClr val="lt1"/>
+                </a:solidFill>
+                <a:latin typeface="+mn-lt"/>
+                <a:ea typeface="+mn-ea"/>
+                <a:cs typeface="+mn-cs"/>
+              </a:defRPr>
+            </a:lvl4pPr>
+            <a:lvl5pPr marL="1828800" algn="l" defTabSz="914400" rtl="0" eaLnBrk="1" latinLnBrk="0" hangingPunct="1">
+              <a:defRPr sz="1800" kern="1200">
+                <a:solidFill>
+                  <a:schemeClr val="lt1"/>
+                </a:solidFill>
+                <a:latin typeface="+mn-lt"/>
+                <a:ea typeface="+mn-ea"/>
+                <a:cs typeface="+mn-cs"/>
+              </a:defRPr>
+            </a:lvl5pPr>
+            <a:lvl6pPr marL="2286000" algn="l" defTabSz="914400" rtl="0" eaLnBrk="1" latinLnBrk="0" hangingPunct="1">
+              <a:defRPr sz="1800" kern="1200">
+                <a:solidFill>
+                  <a:schemeClr val="lt1"/>
+                </a:solidFill>
+                <a:latin typeface="+mn-lt"/>
+                <a:ea typeface="+mn-ea"/>
+                <a:cs typeface="+mn-cs"/>
+              </a:defRPr>
+            </a:lvl6pPr>
+            <a:lvl7pPr marL="2743200" algn="l" defTabSz="914400" rtl="0" eaLnBrk="1" latinLnBrk="0" hangingPunct="1">
+              <a:defRPr sz="1800" kern="1200">
+                <a:solidFill>
+                  <a:schemeClr val="lt1"/>
+                </a:solidFill>
+                <a:latin typeface="+mn-lt"/>
+                <a:ea typeface="+mn-ea"/>
+                <a:cs typeface="+mn-cs"/>
+              </a:defRPr>
+            </a:lvl7pPr>
+            <a:lvl8pPr marL="3200400" algn="l" defTabSz="914400" rtl="0" eaLnBrk="1" latinLnBrk="0" hangingPunct="1">
+              <a:defRPr sz="1800" kern="1200">
+                <a:solidFill>
+                  <a:schemeClr val="lt1"/>
+                </a:solidFill>
+                <a:latin typeface="+mn-lt"/>
+                <a:ea typeface="+mn-ea"/>
+                <a:cs typeface="+mn-cs"/>
+              </a:defRPr>
+            </a:lvl8pPr>
+            <a:lvl9pPr marL="3657600" algn="l" defTabSz="914400" rtl="0" eaLnBrk="1" latinLnBrk="0" hangingPunct="1">
+              <a:defRPr sz="1800" kern="1200">
+                <a:solidFill>
+                  <a:schemeClr val="lt1"/>
+                </a:solidFill>
+                <a:latin typeface="+mn-lt"/>
+                <a:ea typeface="+mn-ea"/>
+                <a:cs typeface="+mn-cs"/>
+              </a:defRPr>
+            </a:lvl9pPr>
+          </a:lstStyle>
           <a:p>
             <a:pPr algn="ctr"/>
             <a:r>
               <a:rPr lang="zh-CN" altLang="en-US" dirty="0"/>
               <a:t>修改</a:t>
             </a:r>
-            <a:r>
-              <a:rPr lang="zh-CN" altLang="en-US" dirty="0" smtClean="0"/>
-              <a:t>误差</a:t>
-            </a:r>
-            <a:endParaRPr lang="zh-CN" altLang="en-US" dirty="0"/>
-          </a:p>
-        </p:txBody>
-      </p:sp>
-      <p:sp>
-        <p:nvSpPr>
-          <p:cNvPr id="48" name="Rounded Rectangle 47"/>
-          <p:cNvSpPr/>
-          <p:nvPr/>
-        </p:nvSpPr>
-        <p:spPr>
-          <a:xfrm>
-            <a:off x="5280748" y="3364984"/>
-            <a:ext cx="1738993" cy="359347"/>
+          </a:p>
+        </p:txBody>
+      </p:sp>
+      <p:sp>
+        <p:nvSpPr>
+          <p:cNvPr id="27" name="Rounded Rectangle 8"/>
+          <p:cNvSpPr/>
+          <p:nvPr/>
+        </p:nvSpPr>
+        <p:spPr>
+          <a:xfrm>
+            <a:off x="7600950" y="2651942"/>
+            <a:ext cx="984703" cy="342787"/>
           </a:xfrm>
           <a:prstGeom prst="roundRect">
             <a:avLst/>
           </a:prstGeom>
+          <a:solidFill>
+            <a:schemeClr val="tx1">
+              <a:lumMod val="65000"/>
+              <a:lumOff val="35000"/>
+            </a:schemeClr>
+          </a:solidFill>
         </p:spPr>
         <p:style>
           <a:lnRef idx="2">
@@ -19479,35 +19583,302 @@
         </p:style>
         <p:txBody>
           <a:bodyPr rtlCol="0" anchor="ctr"/>
-          <a:lstStyle/>
-          <a:p>
-            <a:pPr algn="ctr"/>
-            <a:r>
-              <a:rPr lang="zh-CN" altLang="en-US" dirty="0"/>
-              <a:t>读取</a:t>
-            </a:r>
-            <a:r>
-              <a:rPr lang="zh-CN" altLang="en-US" dirty="0" smtClean="0"/>
-              <a:t>示值</a:t>
-            </a:r>
-            <a:endParaRPr lang="zh-CN" altLang="en-US" dirty="0"/>
-          </a:p>
-        </p:txBody>
-      </p:sp>
-      <p:sp>
-        <p:nvSpPr>
-          <p:cNvPr id="49" name="Rounded Rectangle 48"/>
-          <p:cNvSpPr/>
-          <p:nvPr/>
-        </p:nvSpPr>
-        <p:spPr>
-          <a:xfrm>
-            <a:off x="5298029" y="3871267"/>
-            <a:ext cx="1738993" cy="359347"/>
+          <a:lstStyle>
+            <a:defPPr>
+              <a:defRPr lang="zh-CN"/>
+            </a:defPPr>
+            <a:lvl1pPr marL="0" algn="l" defTabSz="914400" rtl="0" eaLnBrk="1" latinLnBrk="0" hangingPunct="1">
+              <a:defRPr sz="1800" kern="1200">
+                <a:solidFill>
+                  <a:schemeClr val="lt1"/>
+                </a:solidFill>
+                <a:latin typeface="+mn-lt"/>
+                <a:ea typeface="+mn-ea"/>
+                <a:cs typeface="+mn-cs"/>
+              </a:defRPr>
+            </a:lvl1pPr>
+            <a:lvl2pPr marL="457200" algn="l" defTabSz="914400" rtl="0" eaLnBrk="1" latinLnBrk="0" hangingPunct="1">
+              <a:defRPr sz="1800" kern="1200">
+                <a:solidFill>
+                  <a:schemeClr val="lt1"/>
+                </a:solidFill>
+                <a:latin typeface="+mn-lt"/>
+                <a:ea typeface="+mn-ea"/>
+                <a:cs typeface="+mn-cs"/>
+              </a:defRPr>
+            </a:lvl2pPr>
+            <a:lvl3pPr marL="914400" algn="l" defTabSz="914400" rtl="0" eaLnBrk="1" latinLnBrk="0" hangingPunct="1">
+              <a:defRPr sz="1800" kern="1200">
+                <a:solidFill>
+                  <a:schemeClr val="lt1"/>
+                </a:solidFill>
+                <a:latin typeface="+mn-lt"/>
+                <a:ea typeface="+mn-ea"/>
+                <a:cs typeface="+mn-cs"/>
+              </a:defRPr>
+            </a:lvl3pPr>
+            <a:lvl4pPr marL="1371600" algn="l" defTabSz="914400" rtl="0" eaLnBrk="1" latinLnBrk="0" hangingPunct="1">
+              <a:defRPr sz="1800" kern="1200">
+                <a:solidFill>
+                  <a:schemeClr val="lt1"/>
+                </a:solidFill>
+                <a:latin typeface="+mn-lt"/>
+                <a:ea typeface="+mn-ea"/>
+                <a:cs typeface="+mn-cs"/>
+              </a:defRPr>
+            </a:lvl4pPr>
+            <a:lvl5pPr marL="1828800" algn="l" defTabSz="914400" rtl="0" eaLnBrk="1" latinLnBrk="0" hangingPunct="1">
+              <a:defRPr sz="1800" kern="1200">
+                <a:solidFill>
+                  <a:schemeClr val="lt1"/>
+                </a:solidFill>
+                <a:latin typeface="+mn-lt"/>
+                <a:ea typeface="+mn-ea"/>
+                <a:cs typeface="+mn-cs"/>
+              </a:defRPr>
+            </a:lvl5pPr>
+            <a:lvl6pPr marL="2286000" algn="l" defTabSz="914400" rtl="0" eaLnBrk="1" latinLnBrk="0" hangingPunct="1">
+              <a:defRPr sz="1800" kern="1200">
+                <a:solidFill>
+                  <a:schemeClr val="lt1"/>
+                </a:solidFill>
+                <a:latin typeface="+mn-lt"/>
+                <a:ea typeface="+mn-ea"/>
+                <a:cs typeface="+mn-cs"/>
+              </a:defRPr>
+            </a:lvl6pPr>
+            <a:lvl7pPr marL="2743200" algn="l" defTabSz="914400" rtl="0" eaLnBrk="1" latinLnBrk="0" hangingPunct="1">
+              <a:defRPr sz="1800" kern="1200">
+                <a:solidFill>
+                  <a:schemeClr val="lt1"/>
+                </a:solidFill>
+                <a:latin typeface="+mn-lt"/>
+                <a:ea typeface="+mn-ea"/>
+                <a:cs typeface="+mn-cs"/>
+              </a:defRPr>
+            </a:lvl7pPr>
+            <a:lvl8pPr marL="3200400" algn="l" defTabSz="914400" rtl="0" eaLnBrk="1" latinLnBrk="0" hangingPunct="1">
+              <a:defRPr sz="1800" kern="1200">
+                <a:solidFill>
+                  <a:schemeClr val="lt1"/>
+                </a:solidFill>
+                <a:latin typeface="+mn-lt"/>
+                <a:ea typeface="+mn-ea"/>
+                <a:cs typeface="+mn-cs"/>
+              </a:defRPr>
+            </a:lvl8pPr>
+            <a:lvl9pPr marL="3657600" algn="l" defTabSz="914400" rtl="0" eaLnBrk="1" latinLnBrk="0" hangingPunct="1">
+              <a:defRPr sz="1800" kern="1200">
+                <a:solidFill>
+                  <a:schemeClr val="lt1"/>
+                </a:solidFill>
+                <a:latin typeface="+mn-lt"/>
+                <a:ea typeface="+mn-ea"/>
+                <a:cs typeface="+mn-cs"/>
+              </a:defRPr>
+            </a:lvl9pPr>
+          </a:lstStyle>
+          <a:p>
+            <a:pPr algn="ctr"/>
+            <a:r>
+              <a:rPr lang="zh-CN" altLang="en-US" sz="1200" dirty="0" smtClean="0"/>
+              <a:t>大</a:t>
+            </a:r>
+            <a:endParaRPr lang="zh-CN" altLang="en-US" sz="1200" dirty="0"/>
+          </a:p>
+        </p:txBody>
+      </p:sp>
+      <p:sp>
+        <p:nvSpPr>
+          <p:cNvPr id="32" name="Rectangle 9"/>
+          <p:cNvSpPr/>
+          <p:nvPr/>
+        </p:nvSpPr>
+        <p:spPr>
+          <a:xfrm>
+            <a:off x="8719002" y="2638533"/>
+            <a:ext cx="1378132" cy="342787"/>
+          </a:xfrm>
+          <a:prstGeom prst="rect">
+            <a:avLst/>
+          </a:prstGeom>
+          <a:solidFill>
+            <a:schemeClr val="bg1">
+              <a:lumMod val="95000"/>
+            </a:schemeClr>
+          </a:solidFill>
+        </p:spPr>
+        <p:style>
+          <a:lnRef idx="2">
+            <a:schemeClr val="accent1">
+              <a:shade val="50000"/>
+            </a:schemeClr>
+          </a:lnRef>
+          <a:fillRef idx="1">
+            <a:schemeClr val="accent1"/>
+          </a:fillRef>
+          <a:effectRef idx="0">
+            <a:schemeClr val="accent1"/>
+          </a:effectRef>
+          <a:fontRef idx="minor">
+            <a:schemeClr val="lt1"/>
+          </a:fontRef>
+        </p:style>
+        <p:txBody>
+          <a:bodyPr rtlCol="0" anchor="ctr"/>
+          <a:lstStyle>
+            <a:defPPr>
+              <a:defRPr lang="zh-CN"/>
+            </a:defPPr>
+            <a:lvl1pPr marL="0" algn="l" defTabSz="914400" rtl="0" eaLnBrk="1" latinLnBrk="0" hangingPunct="1">
+              <a:defRPr sz="1800" kern="1200">
+                <a:solidFill>
+                  <a:schemeClr val="lt1"/>
+                </a:solidFill>
+                <a:latin typeface="+mn-lt"/>
+                <a:ea typeface="+mn-ea"/>
+                <a:cs typeface="+mn-cs"/>
+              </a:defRPr>
+            </a:lvl1pPr>
+            <a:lvl2pPr marL="457200" algn="l" defTabSz="914400" rtl="0" eaLnBrk="1" latinLnBrk="0" hangingPunct="1">
+              <a:defRPr sz="1800" kern="1200">
+                <a:solidFill>
+                  <a:schemeClr val="lt1"/>
+                </a:solidFill>
+                <a:latin typeface="+mn-lt"/>
+                <a:ea typeface="+mn-ea"/>
+                <a:cs typeface="+mn-cs"/>
+              </a:defRPr>
+            </a:lvl2pPr>
+            <a:lvl3pPr marL="914400" algn="l" defTabSz="914400" rtl="0" eaLnBrk="1" latinLnBrk="0" hangingPunct="1">
+              <a:defRPr sz="1800" kern="1200">
+                <a:solidFill>
+                  <a:schemeClr val="lt1"/>
+                </a:solidFill>
+                <a:latin typeface="+mn-lt"/>
+                <a:ea typeface="+mn-ea"/>
+                <a:cs typeface="+mn-cs"/>
+              </a:defRPr>
+            </a:lvl3pPr>
+            <a:lvl4pPr marL="1371600" algn="l" defTabSz="914400" rtl="0" eaLnBrk="1" latinLnBrk="0" hangingPunct="1">
+              <a:defRPr sz="1800" kern="1200">
+                <a:solidFill>
+                  <a:schemeClr val="lt1"/>
+                </a:solidFill>
+                <a:latin typeface="+mn-lt"/>
+                <a:ea typeface="+mn-ea"/>
+                <a:cs typeface="+mn-cs"/>
+              </a:defRPr>
+            </a:lvl4pPr>
+            <a:lvl5pPr marL="1828800" algn="l" defTabSz="914400" rtl="0" eaLnBrk="1" latinLnBrk="0" hangingPunct="1">
+              <a:defRPr sz="1800" kern="1200">
+                <a:solidFill>
+                  <a:schemeClr val="lt1"/>
+                </a:solidFill>
+                <a:latin typeface="+mn-lt"/>
+                <a:ea typeface="+mn-ea"/>
+                <a:cs typeface="+mn-cs"/>
+              </a:defRPr>
+            </a:lvl5pPr>
+            <a:lvl6pPr marL="2286000" algn="l" defTabSz="914400" rtl="0" eaLnBrk="1" latinLnBrk="0" hangingPunct="1">
+              <a:defRPr sz="1800" kern="1200">
+                <a:solidFill>
+                  <a:schemeClr val="lt1"/>
+                </a:solidFill>
+                <a:latin typeface="+mn-lt"/>
+                <a:ea typeface="+mn-ea"/>
+                <a:cs typeface="+mn-cs"/>
+              </a:defRPr>
+            </a:lvl6pPr>
+            <a:lvl7pPr marL="2743200" algn="l" defTabSz="914400" rtl="0" eaLnBrk="1" latinLnBrk="0" hangingPunct="1">
+              <a:defRPr sz="1800" kern="1200">
+                <a:solidFill>
+                  <a:schemeClr val="lt1"/>
+                </a:solidFill>
+                <a:latin typeface="+mn-lt"/>
+                <a:ea typeface="+mn-ea"/>
+                <a:cs typeface="+mn-cs"/>
+              </a:defRPr>
+            </a:lvl7pPr>
+            <a:lvl8pPr marL="3200400" algn="l" defTabSz="914400" rtl="0" eaLnBrk="1" latinLnBrk="0" hangingPunct="1">
+              <a:defRPr sz="1800" kern="1200">
+                <a:solidFill>
+                  <a:schemeClr val="lt1"/>
+                </a:solidFill>
+                <a:latin typeface="+mn-lt"/>
+                <a:ea typeface="+mn-ea"/>
+                <a:cs typeface="+mn-cs"/>
+              </a:defRPr>
+            </a:lvl8pPr>
+            <a:lvl9pPr marL="3657600" algn="l" defTabSz="914400" rtl="0" eaLnBrk="1" latinLnBrk="0" hangingPunct="1">
+              <a:defRPr sz="1800" kern="1200">
+                <a:solidFill>
+                  <a:schemeClr val="lt1"/>
+                </a:solidFill>
+                <a:latin typeface="+mn-lt"/>
+                <a:ea typeface="+mn-ea"/>
+                <a:cs typeface="+mn-cs"/>
+              </a:defRPr>
+            </a:lvl9pPr>
+          </a:lstStyle>
+          <a:p>
+            <a:pPr algn="ctr"/>
+            <a:r>
+              <a:rPr lang="en-US" altLang="zh-CN" sz="1000" dirty="0" smtClean="0">
+                <a:ln w="0"/>
+                <a:solidFill>
+                  <a:schemeClr val="tx1"/>
+                </a:solidFill>
+                <a:effectLst>
+                  <a:outerShdw blurRad="38100" dist="19050" dir="2700000" algn="tl" rotWithShape="0">
+                    <a:schemeClr val="dk1">
+                      <a:alpha val="40000"/>
+                    </a:schemeClr>
+                  </a:outerShdw>
+                </a:effectLst>
+                <a:latin typeface="Arial" panose="020B0604020202020204" pitchFamily="34" charset="0"/>
+                <a:cs typeface="Arial" panose="020B0604020202020204" pitchFamily="34" charset="0"/>
+              </a:rPr>
+              <a:t>-6.4</a:t>
+            </a:r>
+            <a:endParaRPr lang="zh-CN" altLang="en-US" sz="1000" dirty="0">
+              <a:ln w="0"/>
+              <a:solidFill>
+                <a:schemeClr val="tx1"/>
+              </a:solidFill>
+              <a:effectLst>
+                <a:outerShdw blurRad="38100" dist="19050" dir="2700000" algn="tl" rotWithShape="0">
+                  <a:schemeClr val="dk1">
+                    <a:alpha val="40000"/>
+                  </a:schemeClr>
+                </a:outerShdw>
+              </a:effectLst>
+              <a:latin typeface="Arial" panose="020B0604020202020204" pitchFamily="34" charset="0"/>
+              <a:cs typeface="Arial" panose="020B0604020202020204" pitchFamily="34" charset="0"/>
+            </a:endParaRPr>
+          </a:p>
+        </p:txBody>
+      </p:sp>
+      <p:sp>
+        <p:nvSpPr>
+          <p:cNvPr id="33" name="Rounded Rectangle 10"/>
+          <p:cNvSpPr/>
+          <p:nvPr/>
+        </p:nvSpPr>
+        <p:spPr>
+          <a:xfrm>
+            <a:off x="7600950" y="3118607"/>
+            <a:ext cx="984703" cy="342787"/>
           </a:xfrm>
           <a:prstGeom prst="roundRect">
             <a:avLst/>
           </a:prstGeom>
+          <a:solidFill>
+            <a:schemeClr val="tx1">
+              <a:lumMod val="65000"/>
+              <a:lumOff val="35000"/>
+            </a:schemeClr>
+          </a:solidFill>
         </p:spPr>
         <p:style>
           <a:lnRef idx="2">
@@ -19527,18 +19898,908 @@
         </p:style>
         <p:txBody>
           <a:bodyPr rtlCol="0" anchor="ctr"/>
-          <a:lstStyle/>
-          <a:p>
-            <a:pPr algn="ctr"/>
-            <a:r>
-              <a:rPr lang="zh-CN" altLang="en-US" dirty="0"/>
-              <a:t>修改</a:t>
-            </a:r>
-            <a:r>
-              <a:rPr lang="zh-CN" altLang="en-US" dirty="0" smtClean="0"/>
-              <a:t>示值</a:t>
-            </a:r>
-            <a:endParaRPr lang="zh-CN" altLang="en-US" dirty="0"/>
+          <a:lstStyle>
+            <a:defPPr>
+              <a:defRPr lang="zh-CN"/>
+            </a:defPPr>
+            <a:lvl1pPr marL="0" algn="l" defTabSz="914400" rtl="0" eaLnBrk="1" latinLnBrk="0" hangingPunct="1">
+              <a:defRPr sz="1800" kern="1200">
+                <a:solidFill>
+                  <a:schemeClr val="lt1"/>
+                </a:solidFill>
+                <a:latin typeface="+mn-lt"/>
+                <a:ea typeface="+mn-ea"/>
+                <a:cs typeface="+mn-cs"/>
+              </a:defRPr>
+            </a:lvl1pPr>
+            <a:lvl2pPr marL="457200" algn="l" defTabSz="914400" rtl="0" eaLnBrk="1" latinLnBrk="0" hangingPunct="1">
+              <a:defRPr sz="1800" kern="1200">
+                <a:solidFill>
+                  <a:schemeClr val="lt1"/>
+                </a:solidFill>
+                <a:latin typeface="+mn-lt"/>
+                <a:ea typeface="+mn-ea"/>
+                <a:cs typeface="+mn-cs"/>
+              </a:defRPr>
+            </a:lvl2pPr>
+            <a:lvl3pPr marL="914400" algn="l" defTabSz="914400" rtl="0" eaLnBrk="1" latinLnBrk="0" hangingPunct="1">
+              <a:defRPr sz="1800" kern="1200">
+                <a:solidFill>
+                  <a:schemeClr val="lt1"/>
+                </a:solidFill>
+                <a:latin typeface="+mn-lt"/>
+                <a:ea typeface="+mn-ea"/>
+                <a:cs typeface="+mn-cs"/>
+              </a:defRPr>
+            </a:lvl3pPr>
+            <a:lvl4pPr marL="1371600" algn="l" defTabSz="914400" rtl="0" eaLnBrk="1" latinLnBrk="0" hangingPunct="1">
+              <a:defRPr sz="1800" kern="1200">
+                <a:solidFill>
+                  <a:schemeClr val="lt1"/>
+                </a:solidFill>
+                <a:latin typeface="+mn-lt"/>
+                <a:ea typeface="+mn-ea"/>
+                <a:cs typeface="+mn-cs"/>
+              </a:defRPr>
+            </a:lvl4pPr>
+            <a:lvl5pPr marL="1828800" algn="l" defTabSz="914400" rtl="0" eaLnBrk="1" latinLnBrk="0" hangingPunct="1">
+              <a:defRPr sz="1800" kern="1200">
+                <a:solidFill>
+                  <a:schemeClr val="lt1"/>
+                </a:solidFill>
+                <a:latin typeface="+mn-lt"/>
+                <a:ea typeface="+mn-ea"/>
+                <a:cs typeface="+mn-cs"/>
+              </a:defRPr>
+            </a:lvl5pPr>
+            <a:lvl6pPr marL="2286000" algn="l" defTabSz="914400" rtl="0" eaLnBrk="1" latinLnBrk="0" hangingPunct="1">
+              <a:defRPr sz="1800" kern="1200">
+                <a:solidFill>
+                  <a:schemeClr val="lt1"/>
+                </a:solidFill>
+                <a:latin typeface="+mn-lt"/>
+                <a:ea typeface="+mn-ea"/>
+                <a:cs typeface="+mn-cs"/>
+              </a:defRPr>
+            </a:lvl6pPr>
+            <a:lvl7pPr marL="2743200" algn="l" defTabSz="914400" rtl="0" eaLnBrk="1" latinLnBrk="0" hangingPunct="1">
+              <a:defRPr sz="1800" kern="1200">
+                <a:solidFill>
+                  <a:schemeClr val="lt1"/>
+                </a:solidFill>
+                <a:latin typeface="+mn-lt"/>
+                <a:ea typeface="+mn-ea"/>
+                <a:cs typeface="+mn-cs"/>
+              </a:defRPr>
+            </a:lvl7pPr>
+            <a:lvl8pPr marL="3200400" algn="l" defTabSz="914400" rtl="0" eaLnBrk="1" latinLnBrk="0" hangingPunct="1">
+              <a:defRPr sz="1800" kern="1200">
+                <a:solidFill>
+                  <a:schemeClr val="lt1"/>
+                </a:solidFill>
+                <a:latin typeface="+mn-lt"/>
+                <a:ea typeface="+mn-ea"/>
+                <a:cs typeface="+mn-cs"/>
+              </a:defRPr>
+            </a:lvl8pPr>
+            <a:lvl9pPr marL="3657600" algn="l" defTabSz="914400" rtl="0" eaLnBrk="1" latinLnBrk="0" hangingPunct="1">
+              <a:defRPr sz="1800" kern="1200">
+                <a:solidFill>
+                  <a:schemeClr val="lt1"/>
+                </a:solidFill>
+                <a:latin typeface="+mn-lt"/>
+                <a:ea typeface="+mn-ea"/>
+                <a:cs typeface="+mn-cs"/>
+              </a:defRPr>
+            </a:lvl9pPr>
+          </a:lstStyle>
+          <a:p>
+            <a:pPr algn="ctr"/>
+            <a:r>
+              <a:rPr lang="zh-CN" altLang="en-US" sz="1200" dirty="0" smtClean="0"/>
+              <a:t>中二</a:t>
+            </a:r>
+            <a:endParaRPr lang="zh-CN" altLang="en-US" sz="1200" dirty="0"/>
+          </a:p>
+        </p:txBody>
+      </p:sp>
+      <p:sp>
+        <p:nvSpPr>
+          <p:cNvPr id="34" name="Rectangle 11"/>
+          <p:cNvSpPr/>
+          <p:nvPr/>
+        </p:nvSpPr>
+        <p:spPr>
+          <a:xfrm>
+            <a:off x="8719002" y="3105198"/>
+            <a:ext cx="1378132" cy="342787"/>
+          </a:xfrm>
+          <a:prstGeom prst="rect">
+            <a:avLst/>
+          </a:prstGeom>
+          <a:solidFill>
+            <a:schemeClr val="bg1">
+              <a:lumMod val="95000"/>
+            </a:schemeClr>
+          </a:solidFill>
+        </p:spPr>
+        <p:style>
+          <a:lnRef idx="2">
+            <a:schemeClr val="accent1">
+              <a:shade val="50000"/>
+            </a:schemeClr>
+          </a:lnRef>
+          <a:fillRef idx="1">
+            <a:schemeClr val="accent1"/>
+          </a:fillRef>
+          <a:effectRef idx="0">
+            <a:schemeClr val="accent1"/>
+          </a:effectRef>
+          <a:fontRef idx="minor">
+            <a:schemeClr val="lt1"/>
+          </a:fontRef>
+        </p:style>
+        <p:txBody>
+          <a:bodyPr rtlCol="0" anchor="ctr"/>
+          <a:lstStyle>
+            <a:defPPr>
+              <a:defRPr lang="zh-CN"/>
+            </a:defPPr>
+            <a:lvl1pPr marL="0" algn="l" defTabSz="914400" rtl="0" eaLnBrk="1" latinLnBrk="0" hangingPunct="1">
+              <a:defRPr sz="1800" kern="1200">
+                <a:solidFill>
+                  <a:schemeClr val="lt1"/>
+                </a:solidFill>
+                <a:latin typeface="+mn-lt"/>
+                <a:ea typeface="+mn-ea"/>
+                <a:cs typeface="+mn-cs"/>
+              </a:defRPr>
+            </a:lvl1pPr>
+            <a:lvl2pPr marL="457200" algn="l" defTabSz="914400" rtl="0" eaLnBrk="1" latinLnBrk="0" hangingPunct="1">
+              <a:defRPr sz="1800" kern="1200">
+                <a:solidFill>
+                  <a:schemeClr val="lt1"/>
+                </a:solidFill>
+                <a:latin typeface="+mn-lt"/>
+                <a:ea typeface="+mn-ea"/>
+                <a:cs typeface="+mn-cs"/>
+              </a:defRPr>
+            </a:lvl2pPr>
+            <a:lvl3pPr marL="914400" algn="l" defTabSz="914400" rtl="0" eaLnBrk="1" latinLnBrk="0" hangingPunct="1">
+              <a:defRPr sz="1800" kern="1200">
+                <a:solidFill>
+                  <a:schemeClr val="lt1"/>
+                </a:solidFill>
+                <a:latin typeface="+mn-lt"/>
+                <a:ea typeface="+mn-ea"/>
+                <a:cs typeface="+mn-cs"/>
+              </a:defRPr>
+            </a:lvl3pPr>
+            <a:lvl4pPr marL="1371600" algn="l" defTabSz="914400" rtl="0" eaLnBrk="1" latinLnBrk="0" hangingPunct="1">
+              <a:defRPr sz="1800" kern="1200">
+                <a:solidFill>
+                  <a:schemeClr val="lt1"/>
+                </a:solidFill>
+                <a:latin typeface="+mn-lt"/>
+                <a:ea typeface="+mn-ea"/>
+                <a:cs typeface="+mn-cs"/>
+              </a:defRPr>
+            </a:lvl4pPr>
+            <a:lvl5pPr marL="1828800" algn="l" defTabSz="914400" rtl="0" eaLnBrk="1" latinLnBrk="0" hangingPunct="1">
+              <a:defRPr sz="1800" kern="1200">
+                <a:solidFill>
+                  <a:schemeClr val="lt1"/>
+                </a:solidFill>
+                <a:latin typeface="+mn-lt"/>
+                <a:ea typeface="+mn-ea"/>
+                <a:cs typeface="+mn-cs"/>
+              </a:defRPr>
+            </a:lvl5pPr>
+            <a:lvl6pPr marL="2286000" algn="l" defTabSz="914400" rtl="0" eaLnBrk="1" latinLnBrk="0" hangingPunct="1">
+              <a:defRPr sz="1800" kern="1200">
+                <a:solidFill>
+                  <a:schemeClr val="lt1"/>
+                </a:solidFill>
+                <a:latin typeface="+mn-lt"/>
+                <a:ea typeface="+mn-ea"/>
+                <a:cs typeface="+mn-cs"/>
+              </a:defRPr>
+            </a:lvl6pPr>
+            <a:lvl7pPr marL="2743200" algn="l" defTabSz="914400" rtl="0" eaLnBrk="1" latinLnBrk="0" hangingPunct="1">
+              <a:defRPr sz="1800" kern="1200">
+                <a:solidFill>
+                  <a:schemeClr val="lt1"/>
+                </a:solidFill>
+                <a:latin typeface="+mn-lt"/>
+                <a:ea typeface="+mn-ea"/>
+                <a:cs typeface="+mn-cs"/>
+              </a:defRPr>
+            </a:lvl7pPr>
+            <a:lvl8pPr marL="3200400" algn="l" defTabSz="914400" rtl="0" eaLnBrk="1" latinLnBrk="0" hangingPunct="1">
+              <a:defRPr sz="1800" kern="1200">
+                <a:solidFill>
+                  <a:schemeClr val="lt1"/>
+                </a:solidFill>
+                <a:latin typeface="+mn-lt"/>
+                <a:ea typeface="+mn-ea"/>
+                <a:cs typeface="+mn-cs"/>
+              </a:defRPr>
+            </a:lvl8pPr>
+            <a:lvl9pPr marL="3657600" algn="l" defTabSz="914400" rtl="0" eaLnBrk="1" latinLnBrk="0" hangingPunct="1">
+              <a:defRPr sz="1800" kern="1200">
+                <a:solidFill>
+                  <a:schemeClr val="lt1"/>
+                </a:solidFill>
+                <a:latin typeface="+mn-lt"/>
+                <a:ea typeface="+mn-ea"/>
+                <a:cs typeface="+mn-cs"/>
+              </a:defRPr>
+            </a:lvl9pPr>
+          </a:lstStyle>
+          <a:p>
+            <a:pPr algn="ctr"/>
+            <a:r>
+              <a:rPr lang="en-US" altLang="zh-CN" sz="1000" dirty="0" smtClean="0">
+                <a:ln w="0"/>
+                <a:solidFill>
+                  <a:schemeClr val="tx1"/>
+                </a:solidFill>
+                <a:effectLst>
+                  <a:outerShdw blurRad="38100" dist="19050" dir="2700000" algn="tl" rotWithShape="0">
+                    <a:schemeClr val="dk1">
+                      <a:alpha val="40000"/>
+                    </a:schemeClr>
+                  </a:outerShdw>
+                </a:effectLst>
+                <a:latin typeface="Arial" panose="020B0604020202020204" pitchFamily="34" charset="0"/>
+                <a:cs typeface="Arial" panose="020B0604020202020204" pitchFamily="34" charset="0"/>
+              </a:rPr>
+              <a:t>-3</a:t>
+            </a:r>
+            <a:endParaRPr lang="zh-CN" altLang="en-US" sz="1000" dirty="0">
+              <a:ln w="0"/>
+              <a:solidFill>
+                <a:schemeClr val="tx1"/>
+              </a:solidFill>
+              <a:effectLst>
+                <a:outerShdw blurRad="38100" dist="19050" dir="2700000" algn="tl" rotWithShape="0">
+                  <a:schemeClr val="dk1">
+                    <a:alpha val="40000"/>
+                  </a:schemeClr>
+                </a:outerShdw>
+              </a:effectLst>
+              <a:latin typeface="Arial" panose="020B0604020202020204" pitchFamily="34" charset="0"/>
+              <a:cs typeface="Arial" panose="020B0604020202020204" pitchFamily="34" charset="0"/>
+            </a:endParaRPr>
+          </a:p>
+        </p:txBody>
+      </p:sp>
+      <p:sp>
+        <p:nvSpPr>
+          <p:cNvPr id="35" name="Rounded Rectangle 12"/>
+          <p:cNvSpPr/>
+          <p:nvPr/>
+        </p:nvSpPr>
+        <p:spPr>
+          <a:xfrm>
+            <a:off x="7600950" y="3585272"/>
+            <a:ext cx="984703" cy="342787"/>
+          </a:xfrm>
+          <a:prstGeom prst="roundRect">
+            <a:avLst/>
+          </a:prstGeom>
+          <a:solidFill>
+            <a:schemeClr val="tx1">
+              <a:lumMod val="65000"/>
+              <a:lumOff val="35000"/>
+            </a:schemeClr>
+          </a:solidFill>
+        </p:spPr>
+        <p:style>
+          <a:lnRef idx="2">
+            <a:schemeClr val="accent1">
+              <a:shade val="50000"/>
+            </a:schemeClr>
+          </a:lnRef>
+          <a:fillRef idx="1">
+            <a:schemeClr val="accent1"/>
+          </a:fillRef>
+          <a:effectRef idx="0">
+            <a:schemeClr val="accent1"/>
+          </a:effectRef>
+          <a:fontRef idx="minor">
+            <a:schemeClr val="lt1"/>
+          </a:fontRef>
+        </p:style>
+        <p:txBody>
+          <a:bodyPr rtlCol="0" anchor="ctr"/>
+          <a:lstStyle>
+            <a:defPPr>
+              <a:defRPr lang="zh-CN"/>
+            </a:defPPr>
+            <a:lvl1pPr marL="0" algn="l" defTabSz="914400" rtl="0" eaLnBrk="1" latinLnBrk="0" hangingPunct="1">
+              <a:defRPr sz="1800" kern="1200">
+                <a:solidFill>
+                  <a:schemeClr val="lt1"/>
+                </a:solidFill>
+                <a:latin typeface="+mn-lt"/>
+                <a:ea typeface="+mn-ea"/>
+                <a:cs typeface="+mn-cs"/>
+              </a:defRPr>
+            </a:lvl1pPr>
+            <a:lvl2pPr marL="457200" algn="l" defTabSz="914400" rtl="0" eaLnBrk="1" latinLnBrk="0" hangingPunct="1">
+              <a:defRPr sz="1800" kern="1200">
+                <a:solidFill>
+                  <a:schemeClr val="lt1"/>
+                </a:solidFill>
+                <a:latin typeface="+mn-lt"/>
+                <a:ea typeface="+mn-ea"/>
+                <a:cs typeface="+mn-cs"/>
+              </a:defRPr>
+            </a:lvl2pPr>
+            <a:lvl3pPr marL="914400" algn="l" defTabSz="914400" rtl="0" eaLnBrk="1" latinLnBrk="0" hangingPunct="1">
+              <a:defRPr sz="1800" kern="1200">
+                <a:solidFill>
+                  <a:schemeClr val="lt1"/>
+                </a:solidFill>
+                <a:latin typeface="+mn-lt"/>
+                <a:ea typeface="+mn-ea"/>
+                <a:cs typeface="+mn-cs"/>
+              </a:defRPr>
+            </a:lvl3pPr>
+            <a:lvl4pPr marL="1371600" algn="l" defTabSz="914400" rtl="0" eaLnBrk="1" latinLnBrk="0" hangingPunct="1">
+              <a:defRPr sz="1800" kern="1200">
+                <a:solidFill>
+                  <a:schemeClr val="lt1"/>
+                </a:solidFill>
+                <a:latin typeface="+mn-lt"/>
+                <a:ea typeface="+mn-ea"/>
+                <a:cs typeface="+mn-cs"/>
+              </a:defRPr>
+            </a:lvl4pPr>
+            <a:lvl5pPr marL="1828800" algn="l" defTabSz="914400" rtl="0" eaLnBrk="1" latinLnBrk="0" hangingPunct="1">
+              <a:defRPr sz="1800" kern="1200">
+                <a:solidFill>
+                  <a:schemeClr val="lt1"/>
+                </a:solidFill>
+                <a:latin typeface="+mn-lt"/>
+                <a:ea typeface="+mn-ea"/>
+                <a:cs typeface="+mn-cs"/>
+              </a:defRPr>
+            </a:lvl5pPr>
+            <a:lvl6pPr marL="2286000" algn="l" defTabSz="914400" rtl="0" eaLnBrk="1" latinLnBrk="0" hangingPunct="1">
+              <a:defRPr sz="1800" kern="1200">
+                <a:solidFill>
+                  <a:schemeClr val="lt1"/>
+                </a:solidFill>
+                <a:latin typeface="+mn-lt"/>
+                <a:ea typeface="+mn-ea"/>
+                <a:cs typeface="+mn-cs"/>
+              </a:defRPr>
+            </a:lvl6pPr>
+            <a:lvl7pPr marL="2743200" algn="l" defTabSz="914400" rtl="0" eaLnBrk="1" latinLnBrk="0" hangingPunct="1">
+              <a:defRPr sz="1800" kern="1200">
+                <a:solidFill>
+                  <a:schemeClr val="lt1"/>
+                </a:solidFill>
+                <a:latin typeface="+mn-lt"/>
+                <a:ea typeface="+mn-ea"/>
+                <a:cs typeface="+mn-cs"/>
+              </a:defRPr>
+            </a:lvl7pPr>
+            <a:lvl8pPr marL="3200400" algn="l" defTabSz="914400" rtl="0" eaLnBrk="1" latinLnBrk="0" hangingPunct="1">
+              <a:defRPr sz="1800" kern="1200">
+                <a:solidFill>
+                  <a:schemeClr val="lt1"/>
+                </a:solidFill>
+                <a:latin typeface="+mn-lt"/>
+                <a:ea typeface="+mn-ea"/>
+                <a:cs typeface="+mn-cs"/>
+              </a:defRPr>
+            </a:lvl8pPr>
+            <a:lvl9pPr marL="3657600" algn="l" defTabSz="914400" rtl="0" eaLnBrk="1" latinLnBrk="0" hangingPunct="1">
+              <a:defRPr sz="1800" kern="1200">
+                <a:solidFill>
+                  <a:schemeClr val="lt1"/>
+                </a:solidFill>
+                <a:latin typeface="+mn-lt"/>
+                <a:ea typeface="+mn-ea"/>
+                <a:cs typeface="+mn-cs"/>
+              </a:defRPr>
+            </a:lvl9pPr>
+          </a:lstStyle>
+          <a:p>
+            <a:pPr algn="ctr"/>
+            <a:r>
+              <a:rPr lang="zh-CN" altLang="en-US" sz="1200" dirty="0" smtClean="0"/>
+              <a:t>中一</a:t>
+            </a:r>
+            <a:endParaRPr lang="zh-CN" altLang="en-US" sz="1200" dirty="0"/>
+          </a:p>
+        </p:txBody>
+      </p:sp>
+      <p:sp>
+        <p:nvSpPr>
+          <p:cNvPr id="36" name="Rectangle 13"/>
+          <p:cNvSpPr/>
+          <p:nvPr/>
+        </p:nvSpPr>
+        <p:spPr>
+          <a:xfrm>
+            <a:off x="8719002" y="3571863"/>
+            <a:ext cx="1378132" cy="342787"/>
+          </a:xfrm>
+          <a:prstGeom prst="rect">
+            <a:avLst/>
+          </a:prstGeom>
+          <a:solidFill>
+            <a:schemeClr val="bg1">
+              <a:lumMod val="95000"/>
+            </a:schemeClr>
+          </a:solidFill>
+        </p:spPr>
+        <p:style>
+          <a:lnRef idx="2">
+            <a:schemeClr val="accent1">
+              <a:shade val="50000"/>
+            </a:schemeClr>
+          </a:lnRef>
+          <a:fillRef idx="1">
+            <a:schemeClr val="accent1"/>
+          </a:fillRef>
+          <a:effectRef idx="0">
+            <a:schemeClr val="accent1"/>
+          </a:effectRef>
+          <a:fontRef idx="minor">
+            <a:schemeClr val="lt1"/>
+          </a:fontRef>
+        </p:style>
+        <p:txBody>
+          <a:bodyPr rtlCol="0" anchor="ctr"/>
+          <a:lstStyle>
+            <a:defPPr>
+              <a:defRPr lang="zh-CN"/>
+            </a:defPPr>
+            <a:lvl1pPr marL="0" algn="l" defTabSz="914400" rtl="0" eaLnBrk="1" latinLnBrk="0" hangingPunct="1">
+              <a:defRPr sz="1800" kern="1200">
+                <a:solidFill>
+                  <a:schemeClr val="lt1"/>
+                </a:solidFill>
+                <a:latin typeface="+mn-lt"/>
+                <a:ea typeface="+mn-ea"/>
+                <a:cs typeface="+mn-cs"/>
+              </a:defRPr>
+            </a:lvl1pPr>
+            <a:lvl2pPr marL="457200" algn="l" defTabSz="914400" rtl="0" eaLnBrk="1" latinLnBrk="0" hangingPunct="1">
+              <a:defRPr sz="1800" kern="1200">
+                <a:solidFill>
+                  <a:schemeClr val="lt1"/>
+                </a:solidFill>
+                <a:latin typeface="+mn-lt"/>
+                <a:ea typeface="+mn-ea"/>
+                <a:cs typeface="+mn-cs"/>
+              </a:defRPr>
+            </a:lvl2pPr>
+            <a:lvl3pPr marL="914400" algn="l" defTabSz="914400" rtl="0" eaLnBrk="1" latinLnBrk="0" hangingPunct="1">
+              <a:defRPr sz="1800" kern="1200">
+                <a:solidFill>
+                  <a:schemeClr val="lt1"/>
+                </a:solidFill>
+                <a:latin typeface="+mn-lt"/>
+                <a:ea typeface="+mn-ea"/>
+                <a:cs typeface="+mn-cs"/>
+              </a:defRPr>
+            </a:lvl3pPr>
+            <a:lvl4pPr marL="1371600" algn="l" defTabSz="914400" rtl="0" eaLnBrk="1" latinLnBrk="0" hangingPunct="1">
+              <a:defRPr sz="1800" kern="1200">
+                <a:solidFill>
+                  <a:schemeClr val="lt1"/>
+                </a:solidFill>
+                <a:latin typeface="+mn-lt"/>
+                <a:ea typeface="+mn-ea"/>
+                <a:cs typeface="+mn-cs"/>
+              </a:defRPr>
+            </a:lvl4pPr>
+            <a:lvl5pPr marL="1828800" algn="l" defTabSz="914400" rtl="0" eaLnBrk="1" latinLnBrk="0" hangingPunct="1">
+              <a:defRPr sz="1800" kern="1200">
+                <a:solidFill>
+                  <a:schemeClr val="lt1"/>
+                </a:solidFill>
+                <a:latin typeface="+mn-lt"/>
+                <a:ea typeface="+mn-ea"/>
+                <a:cs typeface="+mn-cs"/>
+              </a:defRPr>
+            </a:lvl5pPr>
+            <a:lvl6pPr marL="2286000" algn="l" defTabSz="914400" rtl="0" eaLnBrk="1" latinLnBrk="0" hangingPunct="1">
+              <a:defRPr sz="1800" kern="1200">
+                <a:solidFill>
+                  <a:schemeClr val="lt1"/>
+                </a:solidFill>
+                <a:latin typeface="+mn-lt"/>
+                <a:ea typeface="+mn-ea"/>
+                <a:cs typeface="+mn-cs"/>
+              </a:defRPr>
+            </a:lvl6pPr>
+            <a:lvl7pPr marL="2743200" algn="l" defTabSz="914400" rtl="0" eaLnBrk="1" latinLnBrk="0" hangingPunct="1">
+              <a:defRPr sz="1800" kern="1200">
+                <a:solidFill>
+                  <a:schemeClr val="lt1"/>
+                </a:solidFill>
+                <a:latin typeface="+mn-lt"/>
+                <a:ea typeface="+mn-ea"/>
+                <a:cs typeface="+mn-cs"/>
+              </a:defRPr>
+            </a:lvl7pPr>
+            <a:lvl8pPr marL="3200400" algn="l" defTabSz="914400" rtl="0" eaLnBrk="1" latinLnBrk="0" hangingPunct="1">
+              <a:defRPr sz="1800" kern="1200">
+                <a:solidFill>
+                  <a:schemeClr val="lt1"/>
+                </a:solidFill>
+                <a:latin typeface="+mn-lt"/>
+                <a:ea typeface="+mn-ea"/>
+                <a:cs typeface="+mn-cs"/>
+              </a:defRPr>
+            </a:lvl8pPr>
+            <a:lvl9pPr marL="3657600" algn="l" defTabSz="914400" rtl="0" eaLnBrk="1" latinLnBrk="0" hangingPunct="1">
+              <a:defRPr sz="1800" kern="1200">
+                <a:solidFill>
+                  <a:schemeClr val="lt1"/>
+                </a:solidFill>
+                <a:latin typeface="+mn-lt"/>
+                <a:ea typeface="+mn-ea"/>
+                <a:cs typeface="+mn-cs"/>
+              </a:defRPr>
+            </a:lvl9pPr>
+          </a:lstStyle>
+          <a:p>
+            <a:pPr algn="ctr"/>
+            <a:r>
+              <a:rPr lang="en-US" altLang="zh-CN" sz="1000" dirty="0" smtClean="0">
+                <a:ln w="0"/>
+                <a:solidFill>
+                  <a:schemeClr val="tx1"/>
+                </a:solidFill>
+                <a:effectLst>
+                  <a:outerShdw blurRad="38100" dist="19050" dir="2700000" algn="tl" rotWithShape="0">
+                    <a:schemeClr val="dk1">
+                      <a:alpha val="40000"/>
+                    </a:schemeClr>
+                  </a:outerShdw>
+                </a:effectLst>
+                <a:latin typeface="Arial" panose="020B0604020202020204" pitchFamily="34" charset="0"/>
+                <a:cs typeface="Arial" panose="020B0604020202020204" pitchFamily="34" charset="0"/>
+              </a:rPr>
+              <a:t>-1.3</a:t>
+            </a:r>
+            <a:endParaRPr lang="zh-CN" altLang="en-US" sz="1000" dirty="0">
+              <a:ln w="0"/>
+              <a:solidFill>
+                <a:schemeClr val="tx1"/>
+              </a:solidFill>
+              <a:effectLst>
+                <a:outerShdw blurRad="38100" dist="19050" dir="2700000" algn="tl" rotWithShape="0">
+                  <a:schemeClr val="dk1">
+                    <a:alpha val="40000"/>
+                  </a:schemeClr>
+                </a:outerShdw>
+              </a:effectLst>
+              <a:latin typeface="Arial" panose="020B0604020202020204" pitchFamily="34" charset="0"/>
+              <a:cs typeface="Arial" panose="020B0604020202020204" pitchFamily="34" charset="0"/>
+            </a:endParaRPr>
+          </a:p>
+        </p:txBody>
+      </p:sp>
+      <p:sp>
+        <p:nvSpPr>
+          <p:cNvPr id="37" name="Rounded Rectangle 14"/>
+          <p:cNvSpPr/>
+          <p:nvPr/>
+        </p:nvSpPr>
+        <p:spPr>
+          <a:xfrm>
+            <a:off x="7600950" y="4071107"/>
+            <a:ext cx="984703" cy="342787"/>
+          </a:xfrm>
+          <a:prstGeom prst="roundRect">
+            <a:avLst/>
+          </a:prstGeom>
+          <a:solidFill>
+            <a:schemeClr val="tx1">
+              <a:lumMod val="65000"/>
+              <a:lumOff val="35000"/>
+            </a:schemeClr>
+          </a:solidFill>
+        </p:spPr>
+        <p:style>
+          <a:lnRef idx="2">
+            <a:schemeClr val="accent1">
+              <a:shade val="50000"/>
+            </a:schemeClr>
+          </a:lnRef>
+          <a:fillRef idx="1">
+            <a:schemeClr val="accent1"/>
+          </a:fillRef>
+          <a:effectRef idx="0">
+            <a:schemeClr val="accent1"/>
+          </a:effectRef>
+          <a:fontRef idx="minor">
+            <a:schemeClr val="lt1"/>
+          </a:fontRef>
+        </p:style>
+        <p:txBody>
+          <a:bodyPr rtlCol="0" anchor="ctr"/>
+          <a:lstStyle>
+            <a:defPPr>
+              <a:defRPr lang="zh-CN"/>
+            </a:defPPr>
+            <a:lvl1pPr marL="0" algn="l" defTabSz="914400" rtl="0" eaLnBrk="1" latinLnBrk="0" hangingPunct="1">
+              <a:defRPr sz="1800" kern="1200">
+                <a:solidFill>
+                  <a:schemeClr val="lt1"/>
+                </a:solidFill>
+                <a:latin typeface="+mn-lt"/>
+                <a:ea typeface="+mn-ea"/>
+                <a:cs typeface="+mn-cs"/>
+              </a:defRPr>
+            </a:lvl1pPr>
+            <a:lvl2pPr marL="457200" algn="l" defTabSz="914400" rtl="0" eaLnBrk="1" latinLnBrk="0" hangingPunct="1">
+              <a:defRPr sz="1800" kern="1200">
+                <a:solidFill>
+                  <a:schemeClr val="lt1"/>
+                </a:solidFill>
+                <a:latin typeface="+mn-lt"/>
+                <a:ea typeface="+mn-ea"/>
+                <a:cs typeface="+mn-cs"/>
+              </a:defRPr>
+            </a:lvl2pPr>
+            <a:lvl3pPr marL="914400" algn="l" defTabSz="914400" rtl="0" eaLnBrk="1" latinLnBrk="0" hangingPunct="1">
+              <a:defRPr sz="1800" kern="1200">
+                <a:solidFill>
+                  <a:schemeClr val="lt1"/>
+                </a:solidFill>
+                <a:latin typeface="+mn-lt"/>
+                <a:ea typeface="+mn-ea"/>
+                <a:cs typeface="+mn-cs"/>
+              </a:defRPr>
+            </a:lvl3pPr>
+            <a:lvl4pPr marL="1371600" algn="l" defTabSz="914400" rtl="0" eaLnBrk="1" latinLnBrk="0" hangingPunct="1">
+              <a:defRPr sz="1800" kern="1200">
+                <a:solidFill>
+                  <a:schemeClr val="lt1"/>
+                </a:solidFill>
+                <a:latin typeface="+mn-lt"/>
+                <a:ea typeface="+mn-ea"/>
+                <a:cs typeface="+mn-cs"/>
+              </a:defRPr>
+            </a:lvl4pPr>
+            <a:lvl5pPr marL="1828800" algn="l" defTabSz="914400" rtl="0" eaLnBrk="1" latinLnBrk="0" hangingPunct="1">
+              <a:defRPr sz="1800" kern="1200">
+                <a:solidFill>
+                  <a:schemeClr val="lt1"/>
+                </a:solidFill>
+                <a:latin typeface="+mn-lt"/>
+                <a:ea typeface="+mn-ea"/>
+                <a:cs typeface="+mn-cs"/>
+              </a:defRPr>
+            </a:lvl5pPr>
+            <a:lvl6pPr marL="2286000" algn="l" defTabSz="914400" rtl="0" eaLnBrk="1" latinLnBrk="0" hangingPunct="1">
+              <a:defRPr sz="1800" kern="1200">
+                <a:solidFill>
+                  <a:schemeClr val="lt1"/>
+                </a:solidFill>
+                <a:latin typeface="+mn-lt"/>
+                <a:ea typeface="+mn-ea"/>
+                <a:cs typeface="+mn-cs"/>
+              </a:defRPr>
+            </a:lvl6pPr>
+            <a:lvl7pPr marL="2743200" algn="l" defTabSz="914400" rtl="0" eaLnBrk="1" latinLnBrk="0" hangingPunct="1">
+              <a:defRPr sz="1800" kern="1200">
+                <a:solidFill>
+                  <a:schemeClr val="lt1"/>
+                </a:solidFill>
+                <a:latin typeface="+mn-lt"/>
+                <a:ea typeface="+mn-ea"/>
+                <a:cs typeface="+mn-cs"/>
+              </a:defRPr>
+            </a:lvl7pPr>
+            <a:lvl8pPr marL="3200400" algn="l" defTabSz="914400" rtl="0" eaLnBrk="1" latinLnBrk="0" hangingPunct="1">
+              <a:defRPr sz="1800" kern="1200">
+                <a:solidFill>
+                  <a:schemeClr val="lt1"/>
+                </a:solidFill>
+                <a:latin typeface="+mn-lt"/>
+                <a:ea typeface="+mn-ea"/>
+                <a:cs typeface="+mn-cs"/>
+              </a:defRPr>
+            </a:lvl8pPr>
+            <a:lvl9pPr marL="3657600" algn="l" defTabSz="914400" rtl="0" eaLnBrk="1" latinLnBrk="0" hangingPunct="1">
+              <a:defRPr sz="1800" kern="1200">
+                <a:solidFill>
+                  <a:schemeClr val="lt1"/>
+                </a:solidFill>
+                <a:latin typeface="+mn-lt"/>
+                <a:ea typeface="+mn-ea"/>
+                <a:cs typeface="+mn-cs"/>
+              </a:defRPr>
+            </a:lvl9pPr>
+          </a:lstStyle>
+          <a:p>
+            <a:pPr algn="ctr"/>
+            <a:r>
+              <a:rPr lang="zh-CN" altLang="en-US" sz="1200" dirty="0"/>
+              <a:t>小</a:t>
+            </a:r>
+          </a:p>
+        </p:txBody>
+      </p:sp>
+      <p:sp>
+        <p:nvSpPr>
+          <p:cNvPr id="38" name="Rectangle 15"/>
+          <p:cNvSpPr/>
+          <p:nvPr/>
+        </p:nvSpPr>
+        <p:spPr>
+          <a:xfrm>
+            <a:off x="8719002" y="4057698"/>
+            <a:ext cx="1378132" cy="342787"/>
+          </a:xfrm>
+          <a:prstGeom prst="rect">
+            <a:avLst/>
+          </a:prstGeom>
+          <a:solidFill>
+            <a:schemeClr val="bg1">
+              <a:lumMod val="95000"/>
+            </a:schemeClr>
+          </a:solidFill>
+        </p:spPr>
+        <p:style>
+          <a:lnRef idx="2">
+            <a:schemeClr val="accent1">
+              <a:shade val="50000"/>
+            </a:schemeClr>
+          </a:lnRef>
+          <a:fillRef idx="1">
+            <a:schemeClr val="accent1"/>
+          </a:fillRef>
+          <a:effectRef idx="0">
+            <a:schemeClr val="accent1"/>
+          </a:effectRef>
+          <a:fontRef idx="minor">
+            <a:schemeClr val="lt1"/>
+          </a:fontRef>
+        </p:style>
+        <p:txBody>
+          <a:bodyPr rtlCol="0" anchor="ctr"/>
+          <a:lstStyle>
+            <a:defPPr>
+              <a:defRPr lang="zh-CN"/>
+            </a:defPPr>
+            <a:lvl1pPr marL="0" algn="l" defTabSz="914400" rtl="0" eaLnBrk="1" latinLnBrk="0" hangingPunct="1">
+              <a:defRPr sz="1800" kern="1200">
+                <a:solidFill>
+                  <a:schemeClr val="lt1"/>
+                </a:solidFill>
+                <a:latin typeface="+mn-lt"/>
+                <a:ea typeface="+mn-ea"/>
+                <a:cs typeface="+mn-cs"/>
+              </a:defRPr>
+            </a:lvl1pPr>
+            <a:lvl2pPr marL="457200" algn="l" defTabSz="914400" rtl="0" eaLnBrk="1" latinLnBrk="0" hangingPunct="1">
+              <a:defRPr sz="1800" kern="1200">
+                <a:solidFill>
+                  <a:schemeClr val="lt1"/>
+                </a:solidFill>
+                <a:latin typeface="+mn-lt"/>
+                <a:ea typeface="+mn-ea"/>
+                <a:cs typeface="+mn-cs"/>
+              </a:defRPr>
+            </a:lvl2pPr>
+            <a:lvl3pPr marL="914400" algn="l" defTabSz="914400" rtl="0" eaLnBrk="1" latinLnBrk="0" hangingPunct="1">
+              <a:defRPr sz="1800" kern="1200">
+                <a:solidFill>
+                  <a:schemeClr val="lt1"/>
+                </a:solidFill>
+                <a:latin typeface="+mn-lt"/>
+                <a:ea typeface="+mn-ea"/>
+                <a:cs typeface="+mn-cs"/>
+              </a:defRPr>
+            </a:lvl3pPr>
+            <a:lvl4pPr marL="1371600" algn="l" defTabSz="914400" rtl="0" eaLnBrk="1" latinLnBrk="0" hangingPunct="1">
+              <a:defRPr sz="1800" kern="1200">
+                <a:solidFill>
+                  <a:schemeClr val="lt1"/>
+                </a:solidFill>
+                <a:latin typeface="+mn-lt"/>
+                <a:ea typeface="+mn-ea"/>
+                <a:cs typeface="+mn-cs"/>
+              </a:defRPr>
+            </a:lvl4pPr>
+            <a:lvl5pPr marL="1828800" algn="l" defTabSz="914400" rtl="0" eaLnBrk="1" latinLnBrk="0" hangingPunct="1">
+              <a:defRPr sz="1800" kern="1200">
+                <a:solidFill>
+                  <a:schemeClr val="lt1"/>
+                </a:solidFill>
+                <a:latin typeface="+mn-lt"/>
+                <a:ea typeface="+mn-ea"/>
+                <a:cs typeface="+mn-cs"/>
+              </a:defRPr>
+            </a:lvl5pPr>
+            <a:lvl6pPr marL="2286000" algn="l" defTabSz="914400" rtl="0" eaLnBrk="1" latinLnBrk="0" hangingPunct="1">
+              <a:defRPr sz="1800" kern="1200">
+                <a:solidFill>
+                  <a:schemeClr val="lt1"/>
+                </a:solidFill>
+                <a:latin typeface="+mn-lt"/>
+                <a:ea typeface="+mn-ea"/>
+                <a:cs typeface="+mn-cs"/>
+              </a:defRPr>
+            </a:lvl6pPr>
+            <a:lvl7pPr marL="2743200" algn="l" defTabSz="914400" rtl="0" eaLnBrk="1" latinLnBrk="0" hangingPunct="1">
+              <a:defRPr sz="1800" kern="1200">
+                <a:solidFill>
+                  <a:schemeClr val="lt1"/>
+                </a:solidFill>
+                <a:latin typeface="+mn-lt"/>
+                <a:ea typeface="+mn-ea"/>
+                <a:cs typeface="+mn-cs"/>
+              </a:defRPr>
+            </a:lvl7pPr>
+            <a:lvl8pPr marL="3200400" algn="l" defTabSz="914400" rtl="0" eaLnBrk="1" latinLnBrk="0" hangingPunct="1">
+              <a:defRPr sz="1800" kern="1200">
+                <a:solidFill>
+                  <a:schemeClr val="lt1"/>
+                </a:solidFill>
+                <a:latin typeface="+mn-lt"/>
+                <a:ea typeface="+mn-ea"/>
+                <a:cs typeface="+mn-cs"/>
+              </a:defRPr>
+            </a:lvl8pPr>
+            <a:lvl9pPr marL="3657600" algn="l" defTabSz="914400" rtl="0" eaLnBrk="1" latinLnBrk="0" hangingPunct="1">
+              <a:defRPr sz="1800" kern="1200">
+                <a:solidFill>
+                  <a:schemeClr val="lt1"/>
+                </a:solidFill>
+                <a:latin typeface="+mn-lt"/>
+                <a:ea typeface="+mn-ea"/>
+                <a:cs typeface="+mn-cs"/>
+              </a:defRPr>
+            </a:lvl9pPr>
+          </a:lstStyle>
+          <a:p>
+            <a:pPr algn="ctr"/>
+            <a:r>
+              <a:rPr lang="en-US" altLang="zh-CN" sz="1000" dirty="0" smtClean="0">
+                <a:ln w="0"/>
+                <a:solidFill>
+                  <a:schemeClr val="tx1"/>
+                </a:solidFill>
+                <a:effectLst>
+                  <a:outerShdw blurRad="38100" dist="19050" dir="2700000" algn="tl" rotWithShape="0">
+                    <a:schemeClr val="dk1">
+                      <a:alpha val="40000"/>
+                    </a:schemeClr>
+                  </a:outerShdw>
+                </a:effectLst>
+                <a:latin typeface="Arial" panose="020B0604020202020204" pitchFamily="34" charset="0"/>
+                <a:cs typeface="Arial" panose="020B0604020202020204" pitchFamily="34" charset="0"/>
+              </a:rPr>
+              <a:t>-2.8</a:t>
+            </a:r>
+            <a:endParaRPr lang="zh-CN" altLang="en-US" sz="1000" dirty="0">
+              <a:ln w="0"/>
+              <a:solidFill>
+                <a:schemeClr val="tx1"/>
+              </a:solidFill>
+              <a:effectLst>
+                <a:outerShdw blurRad="38100" dist="19050" dir="2700000" algn="tl" rotWithShape="0">
+                  <a:schemeClr val="dk1">
+                    <a:alpha val="40000"/>
+                  </a:schemeClr>
+                </a:outerShdw>
+              </a:effectLst>
+              <a:latin typeface="Arial" panose="020B0604020202020204" pitchFamily="34" charset="0"/>
+              <a:cs typeface="Arial" panose="020B0604020202020204" pitchFamily="34" charset="0"/>
+            </a:endParaRPr>
           </a:p>
         </p:txBody>
       </p:sp>
